--- a/trunk/ExternalLib/AsyncAdo/readme(Kor).pptx
+++ b/trunk/ExternalLib/AsyncAdo/readme(Kor).pptx
@@ -201,7 +201,7 @@
           <a:p>
             <a:fld id="{E887AE9C-0A6B-4BE9-AC2A-149671B44D98}" type="datetimeFigureOut">
               <a:rPr lang="ko-KR" altLang="en-US" smtClean="0"/>
-              <a:t>2010-07-18</a:t>
+              <a:t>2012-06-25</a:t>
             </a:fld>
             <a:endParaRPr lang="ko-KR" altLang="en-US"/>
           </a:p>
@@ -369,6 +369,11 @@
         </p:txBody>
       </p:sp>
     </p:spTree>
+    <p:extLst>
+      <p:ext uri="{BB962C8B-B14F-4D97-AF65-F5344CB8AC3E}">
+        <p14:creationId xmlns:p14="http://schemas.microsoft.com/office/powerpoint/2010/main" val="3640017558"/>
+      </p:ext>
+    </p:extLst>
   </p:cSld>
   <p:clrMap bg1="lt1" tx1="dk1" bg2="lt2" tx2="dk2" accent1="accent1" accent2="accent2" accent3="accent3" accent4="accent4" accent5="accent5" accent6="accent6" hlink="hlink" folHlink="folHlink"/>
   <p:notesStyle>
@@ -768,7 +773,7 @@
           <a:p>
             <a:fld id="{98DBDF2D-3D8F-4D80-84BB-D3F1B8C65A51}" type="datetimeFigureOut">
               <a:rPr lang="ko-KR" altLang="en-US" smtClean="0"/>
-              <a:t>2010-07-18</a:t>
+              <a:t>2012-06-25</a:t>
             </a:fld>
             <a:endParaRPr lang="ko-KR" altLang="en-US"/>
           </a:p>
@@ -933,7 +938,7 @@
           <a:p>
             <a:fld id="{98DBDF2D-3D8F-4D80-84BB-D3F1B8C65A51}" type="datetimeFigureOut">
               <a:rPr lang="ko-KR" altLang="en-US" smtClean="0"/>
-              <a:t>2010-07-18</a:t>
+              <a:t>2012-06-25</a:t>
             </a:fld>
             <a:endParaRPr lang="ko-KR" altLang="en-US"/>
           </a:p>
@@ -1108,7 +1113,7 @@
           <a:p>
             <a:fld id="{98DBDF2D-3D8F-4D80-84BB-D3F1B8C65A51}" type="datetimeFigureOut">
               <a:rPr lang="ko-KR" altLang="en-US" smtClean="0"/>
-              <a:t>2010-07-18</a:t>
+              <a:t>2012-06-25</a:t>
             </a:fld>
             <a:endParaRPr lang="ko-KR" altLang="en-US"/>
           </a:p>
@@ -1273,7 +1278,7 @@
           <a:p>
             <a:fld id="{98DBDF2D-3D8F-4D80-84BB-D3F1B8C65A51}" type="datetimeFigureOut">
               <a:rPr lang="ko-KR" altLang="en-US" smtClean="0"/>
-              <a:t>2010-07-18</a:t>
+              <a:t>2012-06-25</a:t>
             </a:fld>
             <a:endParaRPr lang="ko-KR" altLang="en-US"/>
           </a:p>
@@ -1514,7 +1519,7 @@
           <a:p>
             <a:fld id="{98DBDF2D-3D8F-4D80-84BB-D3F1B8C65A51}" type="datetimeFigureOut">
               <a:rPr lang="ko-KR" altLang="en-US" smtClean="0"/>
-              <a:t>2010-07-18</a:t>
+              <a:t>2012-06-25</a:t>
             </a:fld>
             <a:endParaRPr lang="ko-KR" altLang="en-US"/>
           </a:p>
@@ -1797,7 +1802,7 @@
           <a:p>
             <a:fld id="{98DBDF2D-3D8F-4D80-84BB-D3F1B8C65A51}" type="datetimeFigureOut">
               <a:rPr lang="ko-KR" altLang="en-US" smtClean="0"/>
-              <a:t>2010-07-18</a:t>
+              <a:t>2012-06-25</a:t>
             </a:fld>
             <a:endParaRPr lang="ko-KR" altLang="en-US"/>
           </a:p>
@@ -2214,7 +2219,7 @@
           <a:p>
             <a:fld id="{98DBDF2D-3D8F-4D80-84BB-D3F1B8C65A51}" type="datetimeFigureOut">
               <a:rPr lang="ko-KR" altLang="en-US" smtClean="0"/>
-              <a:t>2010-07-18</a:t>
+              <a:t>2012-06-25</a:t>
             </a:fld>
             <a:endParaRPr lang="ko-KR" altLang="en-US"/>
           </a:p>
@@ -2327,7 +2332,7 @@
           <a:p>
             <a:fld id="{98DBDF2D-3D8F-4D80-84BB-D3F1B8C65A51}" type="datetimeFigureOut">
               <a:rPr lang="ko-KR" altLang="en-US" smtClean="0"/>
-              <a:t>2010-07-18</a:t>
+              <a:t>2012-06-25</a:t>
             </a:fld>
             <a:endParaRPr lang="ko-KR" altLang="en-US"/>
           </a:p>
@@ -2417,7 +2422,7 @@
           <a:p>
             <a:fld id="{98DBDF2D-3D8F-4D80-84BB-D3F1B8C65A51}" type="datetimeFigureOut">
               <a:rPr lang="ko-KR" altLang="en-US" smtClean="0"/>
-              <a:t>2010-07-18</a:t>
+              <a:t>2012-06-25</a:t>
             </a:fld>
             <a:endParaRPr lang="ko-KR" altLang="en-US"/>
           </a:p>
@@ -2689,7 +2694,7 @@
           <a:p>
             <a:fld id="{98DBDF2D-3D8F-4D80-84BB-D3F1B8C65A51}" type="datetimeFigureOut">
               <a:rPr lang="ko-KR" altLang="en-US" smtClean="0"/>
-              <a:t>2010-07-18</a:t>
+              <a:t>2012-06-25</a:t>
             </a:fld>
             <a:endParaRPr lang="ko-KR" altLang="en-US"/>
           </a:p>
@@ -2937,7 +2942,7 @@
           <a:p>
             <a:fld id="{98DBDF2D-3D8F-4D80-84BB-D3F1B8C65A51}" type="datetimeFigureOut">
               <a:rPr lang="ko-KR" altLang="en-US" smtClean="0"/>
-              <a:t>2010-07-18</a:t>
+              <a:t>2012-06-25</a:t>
             </a:fld>
             <a:endParaRPr lang="ko-KR" altLang="en-US"/>
           </a:p>
@@ -3145,7 +3150,7 @@
           <a:p>
             <a:fld id="{98DBDF2D-3D8F-4D80-84BB-D3F1B8C65A51}" type="datetimeFigureOut">
               <a:rPr lang="ko-KR" altLang="en-US" smtClean="0"/>
-              <a:t>2010-07-18</a:t>
+              <a:t>2012-06-25</a:t>
             </a:fld>
             <a:endParaRPr lang="ko-KR" altLang="en-US"/>
           </a:p>
@@ -3589,6 +3594,86 @@
           </a:p>
         </p:txBody>
       </p:sp>
+      <p:sp>
+        <p:nvSpPr>
+          <p:cNvPr id="2" name="TextBox 1"/>
+          <p:cNvSpPr txBox="1"/>
+          <p:nvPr/>
+        </p:nvSpPr>
+        <p:spPr>
+          <a:xfrm>
+            <a:off x="1115616" y="5373216"/>
+            <a:ext cx="7272808" cy="646331"/>
+          </a:xfrm>
+          <a:prstGeom prst="rect">
+            <a:avLst/>
+          </a:prstGeom>
+          <a:noFill/>
+        </p:spPr>
+        <p:txBody>
+          <a:bodyPr wrap="square" rtlCol="0">
+            <a:spAutoFit/>
+          </a:bodyPr>
+          <a:lstStyle/>
+          <a:p>
+            <a:r>
+              <a:rPr lang="ko-KR" altLang="en-US" dirty="0" smtClean="0">
+                <a:solidFill>
+                  <a:srgbClr val="FF0000"/>
+                </a:solidFill>
+              </a:rPr>
+              <a:t>현재 개발 중입니다</a:t>
+            </a:r>
+            <a:r>
+              <a:rPr lang="en-US" altLang="ko-KR" dirty="0" smtClean="0">
+                <a:solidFill>
+                  <a:srgbClr val="FF0000"/>
+                </a:solidFill>
+              </a:rPr>
+              <a:t>. </a:t>
+            </a:r>
+          </a:p>
+          <a:p>
+            <a:r>
+              <a:rPr lang="ko-KR" altLang="en-US" dirty="0" smtClean="0">
+                <a:solidFill>
+                  <a:srgbClr val="FF0000"/>
+                </a:solidFill>
+              </a:rPr>
+              <a:t>목적은 </a:t>
+            </a:r>
+            <a:r>
+              <a:rPr lang="en-US" altLang="ko-KR" dirty="0" smtClean="0">
+                <a:solidFill>
+                  <a:srgbClr val="FF0000"/>
+                </a:solidFill>
+              </a:rPr>
+              <a:t>C++11 </a:t>
+            </a:r>
+            <a:r>
+              <a:rPr lang="ko-KR" altLang="en-US" dirty="0" smtClean="0">
+                <a:solidFill>
+                  <a:srgbClr val="FF0000"/>
+                </a:solidFill>
+              </a:rPr>
+              <a:t>지원 및 병렬 프로그래밍 지원입니다</a:t>
+            </a:r>
+            <a:r>
+              <a:rPr lang="en-US" altLang="ko-KR" dirty="0" smtClean="0">
+                <a:solidFill>
+                  <a:srgbClr val="FF0000"/>
+                </a:solidFill>
+              </a:rPr>
+              <a:t>.</a:t>
+            </a:r>
+            <a:endParaRPr lang="ko-KR" altLang="en-US" dirty="0">
+              <a:solidFill>
+                <a:srgbClr val="FF0000"/>
+              </a:solidFill>
+            </a:endParaRPr>
+          </a:p>
+        </p:txBody>
+      </p:sp>
     </p:spTree>
   </p:cSld>
   <p:clrMapOvr>
@@ -3967,7 +4052,6 @@
               <a:rPr lang="ko-KR" altLang="en-US" dirty="0" smtClean="0"/>
               <a:t>꼭 참고하세요</a:t>
             </a:r>
-            <a:endParaRPr lang="ko-KR" altLang="en-US" dirty="0" smtClean="0"/>
           </a:p>
         </p:txBody>
       </p:sp>

--- a/trunk/ExternalLib/AsyncAdo/readme(Kor).pptx
+++ b/trunk/ExternalLib/AsyncAdo/readme(Kor).pptx
@@ -5,19 +5,21 @@
     <p:sldMasterId id="2147483648" r:id="rId1"/>
   </p:sldMasterIdLst>
   <p:notesMasterIdLst>
-    <p:notesMasterId r:id="rId12"/>
+    <p:notesMasterId r:id="rId14"/>
   </p:notesMasterIdLst>
   <p:sldIdLst>
     <p:sldId id="256" r:id="rId2"/>
-    <p:sldId id="257" r:id="rId3"/>
-    <p:sldId id="258" r:id="rId4"/>
-    <p:sldId id="262" r:id="rId5"/>
-    <p:sldId id="261" r:id="rId6"/>
-    <p:sldId id="259" r:id="rId7"/>
-    <p:sldId id="260" r:id="rId8"/>
-    <p:sldId id="263" r:id="rId9"/>
-    <p:sldId id="264" r:id="rId10"/>
-    <p:sldId id="265" r:id="rId11"/>
+    <p:sldId id="266" r:id="rId3"/>
+    <p:sldId id="267" r:id="rId4"/>
+    <p:sldId id="257" r:id="rId5"/>
+    <p:sldId id="258" r:id="rId6"/>
+    <p:sldId id="262" r:id="rId7"/>
+    <p:sldId id="261" r:id="rId8"/>
+    <p:sldId id="259" r:id="rId9"/>
+    <p:sldId id="260" r:id="rId10"/>
+    <p:sldId id="263" r:id="rId11"/>
+    <p:sldId id="264" r:id="rId12"/>
+    <p:sldId id="265" r:id="rId13"/>
   </p:sldIdLst>
   <p:sldSz cx="9144000" cy="6858000" type="screen4x3"/>
   <p:notesSz cx="6858000" cy="9144000"/>
@@ -578,7 +580,7 @@
           <a:p>
             <a:fld id="{AAD90B8A-A274-45CF-94BE-4DEB7CF9BB87}" type="slidenum">
               <a:rPr lang="ko-KR" altLang="en-US" smtClean="0"/>
-              <a:t>6</a:t>
+              <a:t>8</a:t>
             </a:fld>
             <a:endParaRPr lang="ko-KR" altLang="en-US"/>
           </a:p>
@@ -3699,1589 +3701,6 @@
           <a:chExt cx="0" cy="0"/>
         </a:xfrm>
       </p:grpSpPr>
-    </p:spTree>
-  </p:cSld>
-  <p:clrMapOvr>
-    <a:masterClrMapping/>
-  </p:clrMapOvr>
-</p:sld>
-</file>
-
-<file path=ppt/slides/slide2.xml><?xml version="1.0" encoding="utf-8"?>
-<p:sld xmlns:a="http://schemas.openxmlformats.org/drawingml/2006/main" xmlns:r="http://schemas.openxmlformats.org/officeDocument/2006/relationships" xmlns:p="http://schemas.openxmlformats.org/presentationml/2006/main">
-  <p:cSld>
-    <p:spTree>
-      <p:nvGrpSpPr>
-        <p:cNvPr id="1" name=""/>
-        <p:cNvGrpSpPr/>
-        <p:nvPr/>
-      </p:nvGrpSpPr>
-      <p:grpSpPr>
-        <a:xfrm>
-          <a:off x="0" y="0"/>
-          <a:ext cx="0" cy="0"/>
-          <a:chOff x="0" y="0"/>
-          <a:chExt cx="0" cy="0"/>
-        </a:xfrm>
-      </p:grpSpPr>
-      <p:sp>
-        <p:nvSpPr>
-          <p:cNvPr id="2" name="TextBox 1"/>
-          <p:cNvSpPr txBox="1"/>
-          <p:nvPr/>
-        </p:nvSpPr>
-        <p:spPr>
-          <a:xfrm>
-            <a:off x="611560" y="764704"/>
-            <a:ext cx="7848872" cy="3416320"/>
-          </a:xfrm>
-          <a:prstGeom prst="rect">
-            <a:avLst/>
-          </a:prstGeom>
-          <a:noFill/>
-        </p:spPr>
-        <p:txBody>
-          <a:bodyPr wrap="square" rtlCol="0">
-            <a:spAutoFit/>
-          </a:bodyPr>
-          <a:lstStyle/>
-          <a:p>
-            <a:r>
-              <a:rPr lang="ko-KR" altLang="en-US" dirty="0" smtClean="0"/>
-              <a:t>이 라이브러리는 김영찬님이 만든 것으로 </a:t>
-            </a:r>
-            <a:r>
-              <a:rPr lang="en-US" altLang="ko-KR" dirty="0" smtClean="0"/>
-              <a:t>‘</a:t>
-            </a:r>
-            <a:r>
-              <a:rPr lang="ko-KR" altLang="en-US" dirty="0" smtClean="0"/>
-              <a:t>온라인 서버 제작자 모임</a:t>
-            </a:r>
-            <a:r>
-              <a:rPr lang="en-US" altLang="ko-KR" dirty="0" smtClean="0"/>
-              <a:t>’ </a:t>
-            </a:r>
-            <a:r>
-              <a:rPr lang="ko-KR" altLang="en-US" dirty="0" smtClean="0"/>
-              <a:t>카페에서 공개했던 라이브러리입니다</a:t>
-            </a:r>
-            <a:r>
-              <a:rPr lang="en-US" altLang="ko-KR" dirty="0" smtClean="0"/>
-              <a:t>.</a:t>
-            </a:r>
-          </a:p>
-          <a:p>
-            <a:r>
-              <a:rPr lang="en-US" altLang="ko-KR" dirty="0" smtClean="0"/>
-              <a:t>( </a:t>
-            </a:r>
-            <a:r>
-              <a:rPr lang="en-US" altLang="ko-KR" dirty="0" smtClean="0">
-                <a:hlinkClick r:id="rId2"/>
-              </a:rPr>
-              <a:t>http://cafe.naver.com/ongameserver.cafe</a:t>
-            </a:r>
-            <a:r>
-              <a:rPr lang="en-US" altLang="ko-KR" dirty="0" smtClean="0"/>
-              <a:t> )</a:t>
-            </a:r>
-          </a:p>
-          <a:p>
-            <a:endParaRPr lang="en-US" altLang="ko-KR" dirty="0"/>
-          </a:p>
-          <a:p>
-            <a:r>
-              <a:rPr lang="ko-KR" altLang="en-US" dirty="0" smtClean="0"/>
-              <a:t>김영찬님의 동의를 얻어서 </a:t>
-            </a:r>
-            <a:r>
-              <a:rPr lang="en-US" altLang="ko-KR" dirty="0" err="1" smtClean="0"/>
-              <a:t>HalfNetwork</a:t>
-            </a:r>
-            <a:r>
-              <a:rPr lang="ko-KR" altLang="en-US" dirty="0" smtClean="0"/>
-              <a:t>의 외부 라이브러리로 제공되었습니다</a:t>
-            </a:r>
-            <a:r>
-              <a:rPr lang="en-US" altLang="ko-KR" dirty="0" smtClean="0"/>
-              <a:t>.</a:t>
-            </a:r>
-          </a:p>
-          <a:p>
-            <a:endParaRPr lang="en-US" altLang="ko-KR" dirty="0"/>
-          </a:p>
-          <a:p>
-            <a:r>
-              <a:rPr lang="ko-KR" altLang="en-US" dirty="0" smtClean="0"/>
-              <a:t>문서가 부실합니다</a:t>
-            </a:r>
-            <a:r>
-              <a:rPr lang="en-US" altLang="ko-KR" dirty="0" smtClean="0"/>
-              <a:t>. </a:t>
-            </a:r>
-            <a:r>
-              <a:rPr lang="ko-KR" altLang="en-US" dirty="0" smtClean="0"/>
-              <a:t>그러나 코드를 보면 이해하는데 크게 어려움은 없으리라 생각합니다</a:t>
-            </a:r>
-            <a:r>
-              <a:rPr lang="en-US" altLang="ko-KR" dirty="0" smtClean="0"/>
-              <a:t>.</a:t>
-            </a:r>
-          </a:p>
-          <a:p>
-            <a:endParaRPr lang="en-US" altLang="ko-KR" dirty="0"/>
-          </a:p>
-          <a:p>
-            <a:r>
-              <a:rPr lang="ko-KR" altLang="en-US" dirty="0" smtClean="0"/>
-              <a:t>개인적인 생각으로는 이 라이브러리를 사용할 때는 사용하는 프로젝트에 맞게 수정 하는 것이 좋다고 생각합니다</a:t>
-            </a:r>
-            <a:r>
-              <a:rPr lang="en-US" altLang="ko-KR" dirty="0" smtClean="0"/>
-              <a:t>.</a:t>
-            </a:r>
-            <a:endParaRPr lang="ko-KR" altLang="en-US" dirty="0"/>
-          </a:p>
-        </p:txBody>
-      </p:sp>
-    </p:spTree>
-  </p:cSld>
-  <p:clrMapOvr>
-    <a:masterClrMapping/>
-  </p:clrMapOvr>
-</p:sld>
-</file>
-
-<file path=ppt/slides/slide3.xml><?xml version="1.0" encoding="utf-8"?>
-<p:sld xmlns:a="http://schemas.openxmlformats.org/drawingml/2006/main" xmlns:r="http://schemas.openxmlformats.org/officeDocument/2006/relationships" xmlns:p="http://schemas.openxmlformats.org/presentationml/2006/main">
-  <p:cSld>
-    <p:spTree>
-      <p:nvGrpSpPr>
-        <p:cNvPr id="1" name=""/>
-        <p:cNvGrpSpPr/>
-        <p:nvPr/>
-      </p:nvGrpSpPr>
-      <p:grpSpPr>
-        <a:xfrm>
-          <a:off x="0" y="0"/>
-          <a:ext cx="0" cy="0"/>
-          <a:chOff x="0" y="0"/>
-          <a:chExt cx="0" cy="0"/>
-        </a:xfrm>
-      </p:grpSpPr>
-      <p:sp>
-        <p:nvSpPr>
-          <p:cNvPr id="3" name="TextBox 2"/>
-          <p:cNvSpPr txBox="1"/>
-          <p:nvPr/>
-        </p:nvSpPr>
-        <p:spPr>
-          <a:xfrm>
-            <a:off x="611560" y="692696"/>
-            <a:ext cx="6408712" cy="584775"/>
-          </a:xfrm>
-          <a:prstGeom prst="rect">
-            <a:avLst/>
-          </a:prstGeom>
-          <a:noFill/>
-        </p:spPr>
-        <p:txBody>
-          <a:bodyPr wrap="square" rtlCol="0">
-            <a:spAutoFit/>
-          </a:bodyPr>
-          <a:lstStyle/>
-          <a:p>
-            <a:r>
-              <a:rPr lang="ko-KR" altLang="en-US" sz="3200" b="1" dirty="0" smtClean="0"/>
-              <a:t>라이브러리 파일</a:t>
-            </a:r>
-            <a:endParaRPr lang="ko-KR" altLang="en-US" sz="3200" b="1" dirty="0"/>
-          </a:p>
-        </p:txBody>
-      </p:sp>
-      <p:sp>
-        <p:nvSpPr>
-          <p:cNvPr id="4" name="TextBox 3"/>
-          <p:cNvSpPr txBox="1"/>
-          <p:nvPr/>
-        </p:nvSpPr>
-        <p:spPr>
-          <a:xfrm>
-            <a:off x="683568" y="1556792"/>
-            <a:ext cx="7992888" cy="3970318"/>
-          </a:xfrm>
-          <a:prstGeom prst="rect">
-            <a:avLst/>
-          </a:prstGeom>
-          <a:noFill/>
-        </p:spPr>
-        <p:txBody>
-          <a:bodyPr wrap="square" rtlCol="0">
-            <a:spAutoFit/>
-          </a:bodyPr>
-          <a:lstStyle/>
-          <a:p>
-            <a:r>
-              <a:rPr lang="en-US" altLang="ko-KR" dirty="0" smtClean="0"/>
-              <a:t>VC++10</a:t>
-            </a:r>
-            <a:r>
-              <a:rPr lang="ko-KR" altLang="en-US" dirty="0" smtClean="0"/>
-              <a:t>으로 만들어진 </a:t>
-            </a:r>
-            <a:r>
-              <a:rPr lang="en-US" altLang="ko-KR" dirty="0" err="1" smtClean="0"/>
-              <a:t>ADOLib</a:t>
-            </a:r>
-            <a:r>
-              <a:rPr lang="en-US" altLang="ko-KR" dirty="0" smtClean="0"/>
-              <a:t> </a:t>
-            </a:r>
-            <a:r>
-              <a:rPr lang="ko-KR" altLang="en-US" dirty="0" smtClean="0"/>
-              <a:t>프로젝트는 </a:t>
-            </a:r>
-            <a:r>
-              <a:rPr lang="en-US" altLang="ko-KR" dirty="0" smtClean="0"/>
-              <a:t>ADO </a:t>
-            </a:r>
-            <a:r>
-              <a:rPr lang="ko-KR" altLang="en-US" dirty="0" smtClean="0"/>
-              <a:t>라이브러리와 예제가 같이 있습니다</a:t>
-            </a:r>
-            <a:r>
-              <a:rPr lang="en-US" altLang="ko-KR" dirty="0" smtClean="0"/>
-              <a:t>.</a:t>
-            </a:r>
-          </a:p>
-          <a:p>
-            <a:endParaRPr lang="en-US" altLang="ko-KR" dirty="0"/>
-          </a:p>
-          <a:p>
-            <a:r>
-              <a:rPr lang="ko-KR" altLang="en-US" dirty="0" smtClean="0"/>
-              <a:t>파일 중 </a:t>
-            </a:r>
-            <a:endParaRPr lang="en-US" altLang="ko-KR" dirty="0" smtClean="0"/>
-          </a:p>
-          <a:p>
-            <a:r>
-              <a:rPr lang="en-US" altLang="ko-KR" dirty="0" err="1" smtClean="0"/>
-              <a:t>Lock.h</a:t>
-            </a:r>
-            <a:r>
-              <a:rPr lang="en-US" altLang="ko-KR" dirty="0" smtClean="0"/>
-              <a:t>  </a:t>
-            </a:r>
-          </a:p>
-          <a:p>
-            <a:r>
-              <a:rPr lang="en-US" altLang="ko-KR" dirty="0" err="1" smtClean="0"/>
-              <a:t>Unidef.h</a:t>
-            </a:r>
-            <a:r>
-              <a:rPr lang="en-US" altLang="ko-KR" dirty="0" smtClean="0"/>
-              <a:t> </a:t>
-            </a:r>
-          </a:p>
-          <a:p>
-            <a:r>
-              <a:rPr lang="en-US" altLang="ko-KR" dirty="0" smtClean="0"/>
-              <a:t>ado.cpp </a:t>
-            </a:r>
-          </a:p>
-          <a:p>
-            <a:r>
-              <a:rPr lang="en-US" altLang="ko-KR" dirty="0" err="1" smtClean="0"/>
-              <a:t>ado.h</a:t>
-            </a:r>
-            <a:r>
-              <a:rPr lang="en-US" altLang="ko-KR" dirty="0" smtClean="0"/>
-              <a:t>  </a:t>
-            </a:r>
-          </a:p>
-          <a:p>
-            <a:r>
-              <a:rPr lang="en-US" altLang="ko-KR" dirty="0" err="1" smtClean="0"/>
-              <a:t>AdoManager.h</a:t>
-            </a:r>
-            <a:endParaRPr lang="en-US" altLang="ko-KR" dirty="0" smtClean="0"/>
-          </a:p>
-          <a:p>
-            <a:endParaRPr lang="en-US" altLang="ko-KR" dirty="0"/>
-          </a:p>
-          <a:p>
-            <a:r>
-              <a:rPr lang="ko-KR" altLang="en-US" dirty="0" smtClean="0"/>
-              <a:t>파일만이 </a:t>
-            </a:r>
-            <a:r>
-              <a:rPr lang="en-US" altLang="ko-KR" dirty="0" smtClean="0"/>
-              <a:t>ADO </a:t>
-            </a:r>
-            <a:r>
-              <a:rPr lang="ko-KR" altLang="en-US" dirty="0" smtClean="0"/>
-              <a:t>라이브러리 파일입니다</a:t>
-            </a:r>
-            <a:r>
-              <a:rPr lang="en-US" altLang="ko-KR" dirty="0" smtClean="0"/>
-              <a:t>. </a:t>
-            </a:r>
-          </a:p>
-          <a:p>
-            <a:endParaRPr lang="en-US" altLang="ko-KR" dirty="0"/>
-          </a:p>
-          <a:p>
-            <a:endParaRPr lang="en-US" altLang="ko-KR" dirty="0" smtClean="0"/>
-          </a:p>
-          <a:p>
-            <a:r>
-              <a:rPr lang="en-US" altLang="ko-KR" dirty="0" smtClean="0"/>
-              <a:t>‘ADO_Test.txt’ </a:t>
-            </a:r>
-            <a:r>
-              <a:rPr lang="ko-KR" altLang="en-US" dirty="0" smtClean="0"/>
-              <a:t>파일에는 예제 코드가 있습니다</a:t>
-            </a:r>
-            <a:r>
-              <a:rPr lang="en-US" altLang="ko-KR" dirty="0" smtClean="0"/>
-              <a:t>. </a:t>
-            </a:r>
-            <a:r>
-              <a:rPr lang="ko-KR" altLang="en-US" dirty="0" smtClean="0"/>
-              <a:t>꼭 참고하세요</a:t>
-            </a:r>
-          </a:p>
-        </p:txBody>
-      </p:sp>
-    </p:spTree>
-  </p:cSld>
-  <p:clrMapOvr>
-    <a:masterClrMapping/>
-  </p:clrMapOvr>
-</p:sld>
-</file>
-
-<file path=ppt/slides/slide4.xml><?xml version="1.0" encoding="utf-8"?>
-<p:sld xmlns:a="http://schemas.openxmlformats.org/drawingml/2006/main" xmlns:r="http://schemas.openxmlformats.org/officeDocument/2006/relationships" xmlns:p="http://schemas.openxmlformats.org/presentationml/2006/main">
-  <p:cSld>
-    <p:spTree>
-      <p:nvGrpSpPr>
-        <p:cNvPr id="1" name=""/>
-        <p:cNvGrpSpPr/>
-        <p:nvPr/>
-      </p:nvGrpSpPr>
-      <p:grpSpPr>
-        <a:xfrm>
-          <a:off x="0" y="0"/>
-          <a:ext cx="0" cy="0"/>
-          <a:chOff x="0" y="0"/>
-          <a:chExt cx="0" cy="0"/>
-        </a:xfrm>
-      </p:grpSpPr>
-      <p:sp>
-        <p:nvSpPr>
-          <p:cNvPr id="2" name="TextBox 1"/>
-          <p:cNvSpPr txBox="1"/>
-          <p:nvPr/>
-        </p:nvSpPr>
-        <p:spPr>
-          <a:xfrm>
-            <a:off x="1331640" y="2636912"/>
-            <a:ext cx="6408712" cy="1200329"/>
-          </a:xfrm>
-          <a:prstGeom prst="rect">
-            <a:avLst/>
-          </a:prstGeom>
-          <a:noFill/>
-        </p:spPr>
-        <p:txBody>
-          <a:bodyPr wrap="square" rtlCol="0">
-            <a:spAutoFit/>
-          </a:bodyPr>
-          <a:lstStyle/>
-          <a:p>
-            <a:pPr algn="ctr"/>
-            <a:r>
-              <a:rPr lang="en-US" altLang="ko-KR" sz="7200" b="1" dirty="0" smtClean="0"/>
-              <a:t>Tutorial</a:t>
-            </a:r>
-            <a:endParaRPr lang="ko-KR" altLang="en-US" sz="7200" b="1" dirty="0"/>
-          </a:p>
-        </p:txBody>
-      </p:sp>
-    </p:spTree>
-  </p:cSld>
-  <p:clrMapOvr>
-    <a:masterClrMapping/>
-  </p:clrMapOvr>
-</p:sld>
-</file>
-
-<file path=ppt/slides/slide5.xml><?xml version="1.0" encoding="utf-8"?>
-<p:sld xmlns:a="http://schemas.openxmlformats.org/drawingml/2006/main" xmlns:r="http://schemas.openxmlformats.org/officeDocument/2006/relationships" xmlns:p="http://schemas.openxmlformats.org/presentationml/2006/main">
-  <p:cSld>
-    <p:spTree>
-      <p:nvGrpSpPr>
-        <p:cNvPr id="1" name=""/>
-        <p:cNvGrpSpPr/>
-        <p:nvPr/>
-      </p:nvGrpSpPr>
-      <p:grpSpPr>
-        <a:xfrm>
-          <a:off x="0" y="0"/>
-          <a:ext cx="0" cy="0"/>
-          <a:chOff x="0" y="0"/>
-          <a:chExt cx="0" cy="0"/>
-        </a:xfrm>
-      </p:grpSpPr>
-      <p:sp>
-        <p:nvSpPr>
-          <p:cNvPr id="2" name="TextBox 1"/>
-          <p:cNvSpPr txBox="1"/>
-          <p:nvPr/>
-        </p:nvSpPr>
-        <p:spPr>
-          <a:xfrm>
-            <a:off x="395536" y="251937"/>
-            <a:ext cx="6408712" cy="584775"/>
-          </a:xfrm>
-          <a:prstGeom prst="rect">
-            <a:avLst/>
-          </a:prstGeom>
-          <a:noFill/>
-        </p:spPr>
-        <p:txBody>
-          <a:bodyPr wrap="square" rtlCol="0">
-            <a:spAutoFit/>
-          </a:bodyPr>
-          <a:lstStyle/>
-          <a:p>
-            <a:r>
-              <a:rPr lang="ko-KR" altLang="en-US" sz="3200" b="1" dirty="0" smtClean="0"/>
-              <a:t>예제 </a:t>
-            </a:r>
-            <a:r>
-              <a:rPr lang="en-US" altLang="ko-KR" sz="3200" b="1" dirty="0" smtClean="0"/>
-              <a:t>1. </a:t>
-            </a:r>
-            <a:r>
-              <a:rPr lang="ko-KR" altLang="en-US" sz="3200" b="1" dirty="0" smtClean="0"/>
-              <a:t>설정</a:t>
-            </a:r>
-            <a:endParaRPr lang="ko-KR" altLang="en-US" sz="3200" b="1" dirty="0"/>
-          </a:p>
-        </p:txBody>
-      </p:sp>
-      <p:sp>
-        <p:nvSpPr>
-          <p:cNvPr id="3" name="직사각형 2"/>
-          <p:cNvSpPr/>
-          <p:nvPr/>
-        </p:nvSpPr>
-        <p:spPr>
-          <a:xfrm>
-            <a:off x="611560" y="1628800"/>
-            <a:ext cx="6984776" cy="1938992"/>
-          </a:xfrm>
-          <a:prstGeom prst="rect">
-            <a:avLst/>
-          </a:prstGeom>
-          <a:ln>
-            <a:solidFill>
-              <a:schemeClr val="tx1"/>
-            </a:solidFill>
-          </a:ln>
-        </p:spPr>
-        <p:txBody>
-          <a:bodyPr wrap="square">
-            <a:spAutoFit/>
-          </a:bodyPr>
-          <a:lstStyle/>
-          <a:p>
-            <a:r>
-              <a:rPr lang="en-US" altLang="ko-KR" sz="1200" dirty="0" err="1" smtClean="0"/>
-              <a:t>SAdoConfig</a:t>
-            </a:r>
-            <a:r>
-              <a:rPr lang="en-US" altLang="ko-KR" sz="1200" dirty="0" smtClean="0"/>
-              <a:t> </a:t>
-            </a:r>
-            <a:r>
-              <a:rPr lang="en-US" altLang="ko-KR" sz="1200" dirty="0" err="1" smtClean="0"/>
-              <a:t>adoconfig</a:t>
-            </a:r>
-            <a:r>
-              <a:rPr lang="en-US" altLang="ko-KR" sz="1200" dirty="0" smtClean="0"/>
-              <a:t>;</a:t>
-            </a:r>
-          </a:p>
-          <a:p>
-            <a:r>
-              <a:rPr lang="en-US" altLang="ko-KR" sz="1200" dirty="0" err="1" smtClean="0"/>
-              <a:t>adoconfig.SetIP</a:t>
-            </a:r>
-            <a:r>
-              <a:rPr lang="en-US" altLang="ko-KR" sz="1200" dirty="0" smtClean="0"/>
-              <a:t>(_T("</a:t>
-            </a:r>
-            <a:r>
-              <a:rPr lang="en-US" altLang="ko-KR" sz="1200" dirty="0" err="1" smtClean="0"/>
-              <a:t>localhost</a:t>
-            </a:r>
-            <a:r>
-              <a:rPr lang="en-US" altLang="ko-KR" sz="1200" dirty="0" smtClean="0"/>
-              <a:t>\\TEST"));   // </a:t>
-            </a:r>
-            <a:r>
-              <a:rPr lang="ko-KR" altLang="en-US" sz="1200" dirty="0" err="1" smtClean="0"/>
-              <a:t>디비</a:t>
-            </a:r>
-            <a:r>
-              <a:rPr lang="ko-KR" altLang="en-US" sz="1200" dirty="0" smtClean="0"/>
-              <a:t> 주소</a:t>
-            </a:r>
-          </a:p>
-          <a:p>
-            <a:r>
-              <a:rPr lang="en-US" altLang="ko-KR" sz="1200" dirty="0" err="1" smtClean="0"/>
-              <a:t>adoconfig.SetUserID</a:t>
-            </a:r>
-            <a:r>
-              <a:rPr lang="en-US" altLang="ko-KR" sz="1200" dirty="0" smtClean="0"/>
-              <a:t>(_T("</a:t>
-            </a:r>
-            <a:r>
-              <a:rPr lang="en-US" altLang="ko-KR" sz="1200" dirty="0" err="1" smtClean="0"/>
-              <a:t>sa</a:t>
-            </a:r>
-            <a:r>
-              <a:rPr lang="en-US" altLang="ko-KR" sz="1200" dirty="0" smtClean="0"/>
-              <a:t>"));	   // </a:t>
-            </a:r>
-            <a:r>
-              <a:rPr lang="ko-KR" altLang="en-US" sz="1200" dirty="0" smtClean="0"/>
-              <a:t>아이디</a:t>
-            </a:r>
-          </a:p>
-          <a:p>
-            <a:r>
-              <a:rPr lang="en-US" altLang="ko-KR" sz="1200" dirty="0" err="1" smtClean="0"/>
-              <a:t>adoconfig.SetPassword</a:t>
-            </a:r>
-            <a:r>
-              <a:rPr lang="en-US" altLang="ko-KR" sz="1200" dirty="0" smtClean="0"/>
-              <a:t>(_T("dev"));	   // </a:t>
-            </a:r>
-            <a:r>
-              <a:rPr lang="ko-KR" altLang="en-US" sz="1200" dirty="0" smtClean="0"/>
-              <a:t>패스워드</a:t>
-            </a:r>
-          </a:p>
-          <a:p>
-            <a:r>
-              <a:rPr lang="en-US" altLang="ko-KR" sz="1200" dirty="0" err="1" smtClean="0"/>
-              <a:t>adoconfig.SetInitCatalog</a:t>
-            </a:r>
-            <a:r>
-              <a:rPr lang="en-US" altLang="ko-KR" sz="1200" dirty="0" smtClean="0"/>
-              <a:t>(_T("TEST"));       // </a:t>
-            </a:r>
-            <a:r>
-              <a:rPr lang="ko-KR" altLang="en-US" sz="1200" dirty="0" err="1" smtClean="0"/>
-              <a:t>디비</a:t>
-            </a:r>
-            <a:r>
-              <a:rPr lang="ko-KR" altLang="en-US" sz="1200" dirty="0" smtClean="0"/>
-              <a:t> 이름</a:t>
-            </a:r>
-          </a:p>
-          <a:p>
-            <a:r>
-              <a:rPr lang="en-US" altLang="ko-KR" sz="1200" dirty="0" err="1" smtClean="0"/>
-              <a:t>adoconfig.SetConnectionTimeout</a:t>
-            </a:r>
-            <a:r>
-              <a:rPr lang="en-US" altLang="ko-KR" sz="1200" dirty="0" smtClean="0"/>
-              <a:t>(3);</a:t>
-            </a:r>
-          </a:p>
-          <a:p>
-            <a:r>
-              <a:rPr lang="en-US" altLang="ko-KR" sz="1200" dirty="0" err="1" smtClean="0"/>
-              <a:t>adoconfig.SetRetryConnection</a:t>
-            </a:r>
-            <a:r>
-              <a:rPr lang="en-US" altLang="ko-KR" sz="1200" dirty="0" smtClean="0"/>
-              <a:t>(true);</a:t>
-            </a:r>
-          </a:p>
-          <a:p>
-            <a:r>
-              <a:rPr lang="en-US" altLang="ko-KR" sz="1200" dirty="0" err="1" smtClean="0"/>
-              <a:t>adoconfig.SetMaxConnectionPool</a:t>
-            </a:r>
-            <a:r>
-              <a:rPr lang="en-US" altLang="ko-KR" sz="1200" dirty="0" smtClean="0"/>
-              <a:t>(3);</a:t>
-            </a:r>
-          </a:p>
-          <a:p>
-            <a:endParaRPr lang="en-US" altLang="ko-KR" sz="1200" dirty="0" smtClean="0"/>
-          </a:p>
-          <a:p>
-            <a:r>
-              <a:rPr lang="en-US" altLang="ko-KR" sz="1200" dirty="0" err="1" smtClean="0"/>
-              <a:t>CAdoManager</a:t>
-            </a:r>
-            <a:r>
-              <a:rPr lang="en-US" altLang="ko-KR" sz="1200" dirty="0" smtClean="0"/>
-              <a:t>* </a:t>
-            </a:r>
-            <a:r>
-              <a:rPr lang="en-US" altLang="ko-KR" sz="1200" dirty="0" err="1" smtClean="0"/>
-              <a:t>pAdomanager</a:t>
-            </a:r>
-            <a:r>
-              <a:rPr lang="en-US" altLang="ko-KR" sz="1200" dirty="0" smtClean="0"/>
-              <a:t> = new </a:t>
-            </a:r>
-            <a:r>
-              <a:rPr lang="en-US" altLang="ko-KR" sz="1200" dirty="0" err="1" smtClean="0"/>
-              <a:t>CAdoManager</a:t>
-            </a:r>
-            <a:r>
-              <a:rPr lang="en-US" altLang="ko-KR" sz="1200" dirty="0" smtClean="0"/>
-              <a:t>( </a:t>
-            </a:r>
-            <a:r>
-              <a:rPr lang="en-US" altLang="ko-KR" sz="1200" dirty="0" err="1" smtClean="0"/>
-              <a:t>adoconfig</a:t>
-            </a:r>
-            <a:r>
-              <a:rPr lang="en-US" altLang="ko-KR" sz="1200" dirty="0" smtClean="0"/>
-              <a:t> );</a:t>
-            </a:r>
-            <a:endParaRPr lang="ko-KR" altLang="en-US" sz="1200" dirty="0"/>
-          </a:p>
-        </p:txBody>
-      </p:sp>
-    </p:spTree>
-  </p:cSld>
-  <p:clrMapOvr>
-    <a:masterClrMapping/>
-  </p:clrMapOvr>
-</p:sld>
-</file>
-
-<file path=ppt/slides/slide6.xml><?xml version="1.0" encoding="utf-8"?>
-<p:sld xmlns:a="http://schemas.openxmlformats.org/drawingml/2006/main" xmlns:r="http://schemas.openxmlformats.org/officeDocument/2006/relationships" xmlns:p="http://schemas.openxmlformats.org/presentationml/2006/main">
-  <p:cSld>
-    <p:spTree>
-      <p:nvGrpSpPr>
-        <p:cNvPr id="1" name=""/>
-        <p:cNvGrpSpPr/>
-        <p:nvPr/>
-      </p:nvGrpSpPr>
-      <p:grpSpPr>
-        <a:xfrm>
-          <a:off x="0" y="0"/>
-          <a:ext cx="0" cy="0"/>
-          <a:chOff x="0" y="0"/>
-          <a:chExt cx="0" cy="0"/>
-        </a:xfrm>
-      </p:grpSpPr>
-      <p:sp>
-        <p:nvSpPr>
-          <p:cNvPr id="2" name="TextBox 1"/>
-          <p:cNvSpPr txBox="1"/>
-          <p:nvPr/>
-        </p:nvSpPr>
-        <p:spPr>
-          <a:xfrm>
-            <a:off x="395536" y="188640"/>
-            <a:ext cx="6408712" cy="584775"/>
-          </a:xfrm>
-          <a:prstGeom prst="rect">
-            <a:avLst/>
-          </a:prstGeom>
-          <a:noFill/>
-        </p:spPr>
-        <p:txBody>
-          <a:bodyPr wrap="square" rtlCol="0">
-            <a:spAutoFit/>
-          </a:bodyPr>
-          <a:lstStyle/>
-          <a:p>
-            <a:r>
-              <a:rPr lang="ko-KR" altLang="en-US" sz="3200" b="1" dirty="0" smtClean="0"/>
-              <a:t>예제 </a:t>
-            </a:r>
-            <a:r>
-              <a:rPr lang="en-US" altLang="ko-KR" sz="3200" b="1" dirty="0" smtClean="0"/>
-              <a:t>1. </a:t>
-            </a:r>
-            <a:r>
-              <a:rPr lang="ko-KR" altLang="en-US" sz="3200" b="1" dirty="0" smtClean="0"/>
-              <a:t>일반 </a:t>
-            </a:r>
-            <a:r>
-              <a:rPr lang="en-US" altLang="ko-KR" sz="3200" b="1" dirty="0" smtClean="0"/>
-              <a:t>SELECT </a:t>
-            </a:r>
-            <a:r>
-              <a:rPr lang="ko-KR" altLang="en-US" sz="3200" b="1" dirty="0" err="1" smtClean="0"/>
-              <a:t>쿼리문</a:t>
-            </a:r>
-            <a:endParaRPr lang="ko-KR" altLang="en-US" sz="3200" b="1" dirty="0"/>
-          </a:p>
-        </p:txBody>
-      </p:sp>
-      <p:sp>
-        <p:nvSpPr>
-          <p:cNvPr id="3" name="직사각형 2"/>
-          <p:cNvSpPr/>
-          <p:nvPr/>
-        </p:nvSpPr>
-        <p:spPr>
-          <a:xfrm>
-            <a:off x="395536" y="1340768"/>
-            <a:ext cx="5904656" cy="4524315"/>
-          </a:xfrm>
-          <a:prstGeom prst="rect">
-            <a:avLst/>
-          </a:prstGeom>
-          <a:ln>
-            <a:solidFill>
-              <a:schemeClr val="tx1"/>
-            </a:solidFill>
-          </a:ln>
-        </p:spPr>
-        <p:txBody>
-          <a:bodyPr wrap="square">
-            <a:spAutoFit/>
-          </a:bodyPr>
-          <a:lstStyle/>
-          <a:p>
-            <a:r>
-              <a:rPr lang="en-US" altLang="ko-KR" sz="1200" dirty="0" err="1" smtClean="0"/>
-              <a:t>CAdoManager</a:t>
-            </a:r>
-            <a:r>
-              <a:rPr lang="en-US" altLang="ko-KR" sz="1200" dirty="0" smtClean="0"/>
-              <a:t>* </a:t>
-            </a:r>
-            <a:r>
-              <a:rPr lang="en-US" altLang="ko-KR" sz="1200" dirty="0" err="1" smtClean="0"/>
-              <a:t>pAdomanager</a:t>
-            </a:r>
-            <a:r>
-              <a:rPr lang="en-US" altLang="ko-KR" sz="1200" dirty="0" smtClean="0"/>
-              <a:t> = new </a:t>
-            </a:r>
-            <a:r>
-              <a:rPr lang="en-US" altLang="ko-KR" sz="1200" dirty="0" err="1" smtClean="0"/>
-              <a:t>CAdoManager</a:t>
-            </a:r>
-            <a:r>
-              <a:rPr lang="en-US" altLang="ko-KR" sz="1200" dirty="0" smtClean="0"/>
-              <a:t>(</a:t>
-            </a:r>
-            <a:r>
-              <a:rPr lang="en-US" altLang="ko-KR" sz="1200" dirty="0" err="1" smtClean="0"/>
-              <a:t>adoconfig</a:t>
-            </a:r>
-            <a:r>
-              <a:rPr lang="en-US" altLang="ko-KR" sz="1200" dirty="0" smtClean="0"/>
-              <a:t>);</a:t>
-            </a:r>
-          </a:p>
-          <a:p>
-            <a:r>
-              <a:rPr lang="en-US" altLang="ko-KR" sz="1200" dirty="0" err="1" smtClean="0"/>
-              <a:t>CAdo</a:t>
-            </a:r>
-            <a:r>
-              <a:rPr lang="en-US" altLang="ko-KR" sz="1200" dirty="0" smtClean="0"/>
-              <a:t>* </a:t>
-            </a:r>
-            <a:r>
-              <a:rPr lang="en-US" altLang="ko-KR" sz="1200" dirty="0" err="1" smtClean="0"/>
-              <a:t>pAdo</a:t>
-            </a:r>
-            <a:r>
-              <a:rPr lang="en-US" altLang="ko-KR" sz="1200" dirty="0" smtClean="0"/>
-              <a:t> = NULL;</a:t>
-            </a:r>
-          </a:p>
-          <a:p>
-            <a:r>
-              <a:rPr lang="en-US" altLang="ko-KR" sz="1200" dirty="0" smtClean="0"/>
-              <a:t>{</a:t>
-            </a:r>
-          </a:p>
-          <a:p>
-            <a:r>
-              <a:rPr lang="en-US" altLang="ko-KR" sz="1200" dirty="0" smtClean="0"/>
-              <a:t>    </a:t>
-            </a:r>
-            <a:r>
-              <a:rPr lang="en-US" altLang="ko-KR" sz="1200" dirty="0" err="1" smtClean="0"/>
-              <a:t>CScopedAdo</a:t>
-            </a:r>
-            <a:r>
-              <a:rPr lang="en-US" altLang="ko-KR" sz="1200" dirty="0" smtClean="0"/>
-              <a:t> </a:t>
-            </a:r>
-            <a:r>
-              <a:rPr lang="en-US" altLang="ko-KR" sz="1200" dirty="0" err="1" smtClean="0"/>
-              <a:t>scopedado</a:t>
-            </a:r>
-            <a:r>
-              <a:rPr lang="en-US" altLang="ko-KR" sz="1200" dirty="0" smtClean="0"/>
-              <a:t>(</a:t>
-            </a:r>
-            <a:r>
-              <a:rPr lang="en-US" altLang="ko-KR" sz="1200" dirty="0" err="1" smtClean="0"/>
-              <a:t>pAdo</a:t>
-            </a:r>
-            <a:r>
-              <a:rPr lang="en-US" altLang="ko-KR" sz="1200" dirty="0" smtClean="0"/>
-              <a:t>, </a:t>
-            </a:r>
-            <a:r>
-              <a:rPr lang="en-US" altLang="ko-KR" sz="1200" dirty="0" err="1" smtClean="0"/>
-              <a:t>pAdomanager</a:t>
-            </a:r>
-            <a:r>
-              <a:rPr lang="en-US" altLang="ko-KR" sz="1200" dirty="0" smtClean="0"/>
-              <a:t>, false);</a:t>
-            </a:r>
-          </a:p>
-          <a:p>
-            <a:r>
-              <a:rPr lang="en-US" altLang="ko-KR" sz="1200" dirty="0" smtClean="0"/>
-              <a:t>    </a:t>
-            </a:r>
-            <a:r>
-              <a:rPr lang="en-US" altLang="ko-KR" sz="1200" dirty="0" err="1" smtClean="0"/>
-              <a:t>pAdo</a:t>
-            </a:r>
-            <a:r>
-              <a:rPr lang="en-US" altLang="ko-KR" sz="1200" dirty="0" smtClean="0"/>
-              <a:t>-&gt;</a:t>
-            </a:r>
-            <a:r>
-              <a:rPr lang="en-US" altLang="ko-KR" sz="1200" dirty="0" err="1" smtClean="0"/>
-              <a:t>SetQuery</a:t>
-            </a:r>
-            <a:r>
-              <a:rPr lang="en-US" altLang="ko-KR" sz="1200" dirty="0" smtClean="0"/>
-              <a:t>(_T("SELECT UID, PWD FROM Users WHERE ID='jacking'"));</a:t>
-            </a:r>
-          </a:p>
-          <a:p>
-            <a:r>
-              <a:rPr lang="en-US" altLang="ko-KR" sz="1200" dirty="0" smtClean="0"/>
-              <a:t>    </a:t>
-            </a:r>
-            <a:r>
-              <a:rPr lang="en-US" altLang="ko-KR" sz="1200" dirty="0" err="1" smtClean="0"/>
-              <a:t>pAdo</a:t>
-            </a:r>
-            <a:r>
-              <a:rPr lang="en-US" altLang="ko-KR" sz="1200" dirty="0" smtClean="0"/>
-              <a:t>-&gt;Execute(</a:t>
-            </a:r>
-            <a:r>
-              <a:rPr lang="en-US" altLang="ko-KR" sz="1200" dirty="0" err="1" smtClean="0"/>
-              <a:t>adCmdText</a:t>
-            </a:r>
-            <a:r>
-              <a:rPr lang="en-US" altLang="ko-KR" sz="1200" dirty="0" smtClean="0"/>
-              <a:t>);</a:t>
-            </a:r>
-          </a:p>
-          <a:p>
-            <a:r>
-              <a:rPr lang="en-US" altLang="ko-KR" sz="1200" dirty="0" smtClean="0"/>
-              <a:t>    if(!</a:t>
-            </a:r>
-            <a:r>
-              <a:rPr lang="en-US" altLang="ko-KR" sz="1200" dirty="0" err="1" smtClean="0"/>
-              <a:t>pAdo</a:t>
-            </a:r>
-            <a:r>
-              <a:rPr lang="en-US" altLang="ko-KR" sz="1200" dirty="0" smtClean="0"/>
-              <a:t>-&gt;</a:t>
-            </a:r>
-            <a:r>
-              <a:rPr lang="en-US" altLang="ko-KR" sz="1200" dirty="0" err="1" smtClean="0"/>
-              <a:t>IsSuccess</a:t>
-            </a:r>
-            <a:r>
-              <a:rPr lang="en-US" altLang="ko-KR" sz="1200" dirty="0" smtClean="0"/>
-              <a:t>())</a:t>
-            </a:r>
-          </a:p>
-          <a:p>
-            <a:r>
-              <a:rPr lang="en-US" altLang="ko-KR" sz="1200" dirty="0" smtClean="0"/>
-              <a:t>    {</a:t>
-            </a:r>
-          </a:p>
-          <a:p>
-            <a:r>
-              <a:rPr lang="en-US" altLang="ko-KR" sz="1200" dirty="0" smtClean="0"/>
-              <a:t>        std::</a:t>
-            </a:r>
-            <a:r>
-              <a:rPr lang="en-US" altLang="ko-KR" sz="1200" dirty="0" err="1" smtClean="0"/>
-              <a:t>wcout</a:t>
-            </a:r>
-            <a:r>
-              <a:rPr lang="en-US" altLang="ko-KR" sz="1200" dirty="0" smtClean="0"/>
-              <a:t> &lt;&lt; L"</a:t>
-            </a:r>
-            <a:r>
-              <a:rPr lang="ko-KR" altLang="en-US" sz="1200" dirty="0" err="1" smtClean="0"/>
-              <a:t>쿼리문</a:t>
-            </a:r>
-            <a:r>
-              <a:rPr lang="ko-KR" altLang="en-US" sz="1200" dirty="0" smtClean="0"/>
-              <a:t> 실패</a:t>
-            </a:r>
-            <a:r>
-              <a:rPr lang="en-US" altLang="ko-KR" sz="1200" dirty="0" smtClean="0"/>
-              <a:t>" &lt;&lt; std::</a:t>
-            </a:r>
-            <a:r>
-              <a:rPr lang="en-US" altLang="ko-KR" sz="1200" dirty="0" err="1" smtClean="0"/>
-              <a:t>endl</a:t>
-            </a:r>
-            <a:r>
-              <a:rPr lang="en-US" altLang="ko-KR" sz="1200" dirty="0" smtClean="0"/>
-              <a:t>;</a:t>
-            </a:r>
-          </a:p>
-          <a:p>
-            <a:r>
-              <a:rPr lang="en-US" altLang="ko-KR" sz="1200" dirty="0" smtClean="0"/>
-              <a:t>        return 0;</a:t>
-            </a:r>
-          </a:p>
-          <a:p>
-            <a:r>
-              <a:rPr lang="en-US" altLang="ko-KR" sz="1200" dirty="0" smtClean="0"/>
-              <a:t>    }</a:t>
-            </a:r>
-          </a:p>
-          <a:p>
-            <a:endParaRPr lang="en-US" altLang="ko-KR" sz="1200" dirty="0" smtClean="0"/>
-          </a:p>
-          <a:p>
-            <a:r>
-              <a:rPr lang="en-US" altLang="ko-KR" sz="1200" dirty="0" smtClean="0"/>
-              <a:t>    </a:t>
-            </a:r>
-            <a:r>
-              <a:rPr lang="en-US" altLang="ko-KR" sz="1200" dirty="0" err="1" smtClean="0"/>
-              <a:t>int</a:t>
-            </a:r>
-            <a:r>
-              <a:rPr lang="en-US" altLang="ko-KR" sz="1200" dirty="0" smtClean="0"/>
-              <a:t> </a:t>
-            </a:r>
-            <a:r>
-              <a:rPr lang="en-US" altLang="ko-KR" sz="1200" dirty="0" err="1" smtClean="0"/>
-              <a:t>nUID</a:t>
-            </a:r>
-            <a:r>
-              <a:rPr lang="en-US" altLang="ko-KR" sz="1200" dirty="0" smtClean="0"/>
-              <a:t> = 0;</a:t>
-            </a:r>
-          </a:p>
-          <a:p>
-            <a:r>
-              <a:rPr lang="en-US" altLang="ko-KR" sz="1200" dirty="0" smtClean="0"/>
-              <a:t>    WCHAR </a:t>
-            </a:r>
-            <a:r>
-              <a:rPr lang="en-US" altLang="ko-KR" sz="1200" dirty="0" err="1" smtClean="0"/>
-              <a:t>szPWD</a:t>
-            </a:r>
-            <a:r>
-              <a:rPr lang="en-US" altLang="ko-KR" sz="1200" dirty="0" smtClean="0"/>
-              <a:t>[16];</a:t>
-            </a:r>
-          </a:p>
-          <a:p>
-            <a:r>
-              <a:rPr lang="en-US" altLang="ko-KR" sz="1200" dirty="0" smtClean="0"/>
-              <a:t>    if(!</a:t>
-            </a:r>
-            <a:r>
-              <a:rPr lang="en-US" altLang="ko-KR" sz="1200" dirty="0" err="1" smtClean="0"/>
-              <a:t>pAdo</a:t>
-            </a:r>
-            <a:r>
-              <a:rPr lang="en-US" altLang="ko-KR" sz="1200" dirty="0" smtClean="0"/>
-              <a:t>-&gt;</a:t>
-            </a:r>
-            <a:r>
-              <a:rPr lang="en-US" altLang="ko-KR" sz="1200" dirty="0" err="1" smtClean="0"/>
-              <a:t>GetEndOfFile</a:t>
-            </a:r>
-            <a:r>
-              <a:rPr lang="en-US" altLang="ko-KR" sz="1200" dirty="0" smtClean="0"/>
-              <a:t>() )</a:t>
-            </a:r>
-          </a:p>
-          <a:p>
-            <a:r>
-              <a:rPr lang="en-US" altLang="ko-KR" sz="1200" dirty="0" smtClean="0"/>
-              <a:t>    {</a:t>
-            </a:r>
-          </a:p>
-          <a:p>
-            <a:r>
-              <a:rPr lang="en-US" altLang="ko-KR" sz="1200" dirty="0" smtClean="0"/>
-              <a:t>       </a:t>
-            </a:r>
-            <a:r>
-              <a:rPr lang="en-US" altLang="ko-KR" sz="1200" dirty="0" err="1" smtClean="0"/>
-              <a:t>pAdo</a:t>
-            </a:r>
-            <a:r>
-              <a:rPr lang="en-US" altLang="ko-KR" sz="1200" dirty="0" smtClean="0"/>
-              <a:t>-&gt;</a:t>
-            </a:r>
-            <a:r>
-              <a:rPr lang="en-US" altLang="ko-KR" sz="1200" dirty="0" err="1" smtClean="0"/>
-              <a:t>GetFieldValue</a:t>
-            </a:r>
-            <a:r>
-              <a:rPr lang="en-US" altLang="ko-KR" sz="1200" dirty="0" smtClean="0"/>
-              <a:t>(_T("UID"), </a:t>
-            </a:r>
-            <a:r>
-              <a:rPr lang="en-US" altLang="ko-KR" sz="1200" dirty="0" err="1" smtClean="0"/>
-              <a:t>nUID</a:t>
-            </a:r>
-            <a:r>
-              <a:rPr lang="en-US" altLang="ko-KR" sz="1200" dirty="0" smtClean="0"/>
-              <a:t>);</a:t>
-            </a:r>
-          </a:p>
-          <a:p>
-            <a:r>
-              <a:rPr lang="en-US" altLang="ko-KR" sz="1200" dirty="0" smtClean="0"/>
-              <a:t>       </a:t>
-            </a:r>
-            <a:r>
-              <a:rPr lang="en-US" altLang="ko-KR" sz="1200" dirty="0" err="1" smtClean="0"/>
-              <a:t>pAdo</a:t>
-            </a:r>
-            <a:r>
-              <a:rPr lang="en-US" altLang="ko-KR" sz="1200" dirty="0" smtClean="0"/>
-              <a:t>-&gt;</a:t>
-            </a:r>
-            <a:r>
-              <a:rPr lang="en-US" altLang="ko-KR" sz="1200" dirty="0" err="1" smtClean="0"/>
-              <a:t>GetFieldValue</a:t>
-            </a:r>
-            <a:r>
-              <a:rPr lang="en-US" altLang="ko-KR" sz="1200" dirty="0" smtClean="0"/>
-              <a:t>(_T("PWD"), </a:t>
-            </a:r>
-            <a:r>
-              <a:rPr lang="en-US" altLang="ko-KR" sz="1200" dirty="0" err="1" smtClean="0"/>
-              <a:t>szPWD</a:t>
-            </a:r>
-            <a:r>
-              <a:rPr lang="en-US" altLang="ko-KR" sz="1200" dirty="0" smtClean="0"/>
-              <a:t>, 16);</a:t>
-            </a:r>
-          </a:p>
-          <a:p>
-            <a:r>
-              <a:rPr lang="en-US" altLang="ko-KR" sz="1200" dirty="0" smtClean="0"/>
-              <a:t>    }</a:t>
-            </a:r>
-          </a:p>
-          <a:p>
-            <a:r>
-              <a:rPr lang="en-US" altLang="ko-KR" sz="1200" dirty="0" smtClean="0"/>
-              <a:t>    else</a:t>
-            </a:r>
-          </a:p>
-          <a:p>
-            <a:r>
-              <a:rPr lang="en-US" altLang="ko-KR" sz="1200" dirty="0" smtClean="0"/>
-              <a:t>    {</a:t>
-            </a:r>
-          </a:p>
-          <a:p>
-            <a:r>
-              <a:rPr lang="en-US" altLang="ko-KR" sz="1200" dirty="0" smtClean="0"/>
-              <a:t>       std::</a:t>
-            </a:r>
-            <a:r>
-              <a:rPr lang="en-US" altLang="ko-KR" sz="1200" dirty="0" err="1" smtClean="0"/>
-              <a:t>wcout</a:t>
-            </a:r>
-            <a:r>
-              <a:rPr lang="en-US" altLang="ko-KR" sz="1200" dirty="0" smtClean="0"/>
-              <a:t> &lt;&lt; </a:t>
-            </a:r>
-            <a:r>
-              <a:rPr lang="en-US" altLang="ko-KR" sz="1200" dirty="0" err="1" smtClean="0"/>
-              <a:t>L"jacking</a:t>
-            </a:r>
-            <a:r>
-              <a:rPr lang="ko-KR" altLang="en-US" sz="1200" dirty="0" smtClean="0"/>
-              <a:t>은 없습니다</a:t>
-            </a:r>
-            <a:r>
-              <a:rPr lang="en-US" altLang="ko-KR" sz="1200" dirty="0" smtClean="0"/>
-              <a:t>" &lt;&lt; std::</a:t>
-            </a:r>
-            <a:r>
-              <a:rPr lang="en-US" altLang="ko-KR" sz="1200" dirty="0" err="1" smtClean="0"/>
-              <a:t>endl</a:t>
-            </a:r>
-            <a:r>
-              <a:rPr lang="en-US" altLang="ko-KR" sz="1200" dirty="0" smtClean="0"/>
-              <a:t>;</a:t>
-            </a:r>
-          </a:p>
-          <a:p>
-            <a:r>
-              <a:rPr lang="en-US" altLang="ko-KR" sz="1200" dirty="0" smtClean="0"/>
-              <a:t>       return 0;</a:t>
-            </a:r>
-          </a:p>
-          <a:p>
-            <a:r>
-              <a:rPr lang="en-US" altLang="ko-KR" sz="1200" dirty="0" smtClean="0"/>
-              <a:t>    }</a:t>
-            </a:r>
-            <a:endParaRPr lang="ko-KR" altLang="en-US" sz="1200" dirty="0"/>
-          </a:p>
-        </p:txBody>
-      </p:sp>
-    </p:spTree>
-  </p:cSld>
-  <p:clrMapOvr>
-    <a:masterClrMapping/>
-  </p:clrMapOvr>
-</p:sld>
-</file>
-
-<file path=ppt/slides/slide7.xml><?xml version="1.0" encoding="utf-8"?>
-<p:sld xmlns:a="http://schemas.openxmlformats.org/drawingml/2006/main" xmlns:r="http://schemas.openxmlformats.org/officeDocument/2006/relationships" xmlns:p="http://schemas.openxmlformats.org/presentationml/2006/main">
-  <p:cSld>
-    <p:spTree>
-      <p:nvGrpSpPr>
-        <p:cNvPr id="1" name=""/>
-        <p:cNvGrpSpPr/>
-        <p:nvPr/>
-      </p:nvGrpSpPr>
-      <p:grpSpPr>
-        <a:xfrm>
-          <a:off x="0" y="0"/>
-          <a:ext cx="0" cy="0"/>
-          <a:chOff x="0" y="0"/>
-          <a:chExt cx="0" cy="0"/>
-        </a:xfrm>
-      </p:grpSpPr>
-      <p:sp>
-        <p:nvSpPr>
-          <p:cNvPr id="3" name="TextBox 2"/>
-          <p:cNvSpPr txBox="1"/>
-          <p:nvPr/>
-        </p:nvSpPr>
-        <p:spPr>
-          <a:xfrm>
-            <a:off x="395536" y="188640"/>
-            <a:ext cx="6408712" cy="584775"/>
-          </a:xfrm>
-          <a:prstGeom prst="rect">
-            <a:avLst/>
-          </a:prstGeom>
-          <a:noFill/>
-        </p:spPr>
-        <p:txBody>
-          <a:bodyPr wrap="square" rtlCol="0">
-            <a:spAutoFit/>
-          </a:bodyPr>
-          <a:lstStyle/>
-          <a:p>
-            <a:r>
-              <a:rPr lang="ko-KR" altLang="en-US" sz="3200" b="1" dirty="0" smtClean="0"/>
-              <a:t>예제 </a:t>
-            </a:r>
-            <a:r>
-              <a:rPr lang="en-US" altLang="ko-KR" sz="3200" b="1" dirty="0" smtClean="0"/>
-              <a:t>2. </a:t>
-            </a:r>
-            <a:r>
-              <a:rPr lang="ko-KR" altLang="en-US" sz="3200" b="1" dirty="0" smtClean="0"/>
-              <a:t>일반 </a:t>
-            </a:r>
-            <a:r>
-              <a:rPr lang="en-US" altLang="ko-KR" sz="3200" b="1" dirty="0" smtClean="0"/>
-              <a:t>INSERT </a:t>
-            </a:r>
-            <a:r>
-              <a:rPr lang="ko-KR" altLang="en-US" sz="3200" b="1" dirty="0" err="1" smtClean="0"/>
-              <a:t>쿼리문</a:t>
-            </a:r>
-            <a:r>
-              <a:rPr lang="ko-KR" altLang="en-US" sz="3200" b="1" dirty="0" smtClean="0"/>
-              <a:t> </a:t>
-            </a:r>
-            <a:r>
-              <a:rPr lang="en-US" altLang="ko-KR" sz="3200" b="1" dirty="0" smtClean="0"/>
-              <a:t>1</a:t>
-            </a:r>
-            <a:endParaRPr lang="ko-KR" altLang="en-US" sz="3200" b="1" dirty="0"/>
-          </a:p>
-        </p:txBody>
-      </p:sp>
-      <p:sp>
-        <p:nvSpPr>
-          <p:cNvPr id="4" name="직사각형 3"/>
-          <p:cNvSpPr/>
-          <p:nvPr/>
-        </p:nvSpPr>
-        <p:spPr>
-          <a:xfrm>
-            <a:off x="467544" y="1340768"/>
-            <a:ext cx="5616624" cy="3231654"/>
-          </a:xfrm>
-          <a:prstGeom prst="rect">
-            <a:avLst/>
-          </a:prstGeom>
-          <a:ln>
-            <a:solidFill>
-              <a:schemeClr val="tx1"/>
-            </a:solidFill>
-          </a:ln>
-        </p:spPr>
-        <p:txBody>
-          <a:bodyPr wrap="square">
-            <a:spAutoFit/>
-          </a:bodyPr>
-          <a:lstStyle/>
-          <a:p>
-            <a:r>
-              <a:rPr lang="en-US" altLang="ko-KR" sz="1200" dirty="0" err="1" smtClean="0"/>
-              <a:t>CAdoManager</a:t>
-            </a:r>
-            <a:r>
-              <a:rPr lang="en-US" altLang="ko-KR" sz="1200" dirty="0" smtClean="0"/>
-              <a:t>* </a:t>
-            </a:r>
-            <a:r>
-              <a:rPr lang="en-US" altLang="ko-KR" sz="1200" dirty="0" err="1" smtClean="0"/>
-              <a:t>pAdomanager</a:t>
-            </a:r>
-            <a:r>
-              <a:rPr lang="en-US" altLang="ko-KR" sz="1200" dirty="0" smtClean="0"/>
-              <a:t> = new </a:t>
-            </a:r>
-            <a:r>
-              <a:rPr lang="en-US" altLang="ko-KR" sz="1200" dirty="0" err="1" smtClean="0"/>
-              <a:t>CAdoManager</a:t>
-            </a:r>
-            <a:r>
-              <a:rPr lang="en-US" altLang="ko-KR" sz="1200" dirty="0" smtClean="0"/>
-              <a:t>(</a:t>
-            </a:r>
-            <a:r>
-              <a:rPr lang="en-US" altLang="ko-KR" sz="1200" dirty="0" err="1" smtClean="0"/>
-              <a:t>adoconfig</a:t>
-            </a:r>
-            <a:r>
-              <a:rPr lang="en-US" altLang="ko-KR" sz="1200" dirty="0" smtClean="0"/>
-              <a:t>);</a:t>
-            </a:r>
-          </a:p>
-          <a:p>
-            <a:r>
-              <a:rPr lang="en-US" altLang="ko-KR" sz="1200" dirty="0" err="1" smtClean="0"/>
-              <a:t>CAdo</a:t>
-            </a:r>
-            <a:r>
-              <a:rPr lang="en-US" altLang="ko-KR" sz="1200" dirty="0" smtClean="0"/>
-              <a:t>* </a:t>
-            </a:r>
-            <a:r>
-              <a:rPr lang="en-US" altLang="ko-KR" sz="1200" dirty="0" err="1" smtClean="0"/>
-              <a:t>pAdo</a:t>
-            </a:r>
-            <a:r>
-              <a:rPr lang="en-US" altLang="ko-KR" sz="1200" dirty="0" smtClean="0"/>
-              <a:t> = NULL;</a:t>
-            </a:r>
-          </a:p>
-          <a:p>
-            <a:r>
-              <a:rPr lang="en-US" altLang="ko-KR" sz="1200" dirty="0" smtClean="0"/>
-              <a:t>{</a:t>
-            </a:r>
-          </a:p>
-          <a:p>
-            <a:r>
-              <a:rPr lang="en-US" altLang="ko-KR" sz="1200" dirty="0" smtClean="0"/>
-              <a:t>   </a:t>
-            </a:r>
-            <a:r>
-              <a:rPr lang="en-US" altLang="ko-KR" sz="1200" dirty="0" err="1" smtClean="0"/>
-              <a:t>CScopedAdo</a:t>
-            </a:r>
-            <a:r>
-              <a:rPr lang="en-US" altLang="ko-KR" sz="1200" dirty="0" smtClean="0"/>
-              <a:t> </a:t>
-            </a:r>
-            <a:r>
-              <a:rPr lang="en-US" altLang="ko-KR" sz="1200" dirty="0" err="1" smtClean="0"/>
-              <a:t>scopedado</a:t>
-            </a:r>
-            <a:r>
-              <a:rPr lang="en-US" altLang="ko-KR" sz="1200" dirty="0" smtClean="0"/>
-              <a:t>(</a:t>
-            </a:r>
-            <a:r>
-              <a:rPr lang="en-US" altLang="ko-KR" sz="1200" dirty="0" err="1" smtClean="0"/>
-              <a:t>pAdo</a:t>
-            </a:r>
-            <a:r>
-              <a:rPr lang="en-US" altLang="ko-KR" sz="1200" dirty="0" smtClean="0"/>
-              <a:t>, </a:t>
-            </a:r>
-            <a:r>
-              <a:rPr lang="en-US" altLang="ko-KR" sz="1200" dirty="0" err="1" smtClean="0"/>
-              <a:t>pAdomanager</a:t>
-            </a:r>
-            <a:r>
-              <a:rPr lang="en-US" altLang="ko-KR" sz="1200" dirty="0" smtClean="0"/>
-              <a:t>, false);</a:t>
-            </a:r>
-          </a:p>
-          <a:p>
-            <a:endParaRPr lang="en-US" altLang="ko-KR" sz="1200" dirty="0" smtClean="0"/>
-          </a:p>
-          <a:p>
-            <a:r>
-              <a:rPr lang="en-US" altLang="ko-KR" sz="1200" dirty="0" smtClean="0"/>
-              <a:t>   </a:t>
-            </a:r>
-            <a:r>
-              <a:rPr lang="en-US" altLang="ko-KR" sz="1200" dirty="0" err="1" smtClean="0"/>
-              <a:t>pAdo</a:t>
-            </a:r>
-            <a:r>
-              <a:rPr lang="en-US" altLang="ko-KR" sz="1200" dirty="0" smtClean="0"/>
-              <a:t>-&gt;</a:t>
-            </a:r>
-            <a:r>
-              <a:rPr lang="en-US" altLang="ko-KR" sz="1200" dirty="0" err="1" smtClean="0"/>
-              <a:t>SetQuery</a:t>
-            </a:r>
-            <a:r>
-              <a:rPr lang="en-US" altLang="ko-KR" sz="1200" dirty="0" smtClean="0"/>
-              <a:t>( _T("Insert Into Users Values( 'jacking2', '1111' )") );</a:t>
-            </a:r>
-          </a:p>
-          <a:p>
-            <a:r>
-              <a:rPr lang="en-US" altLang="ko-KR" sz="1200" dirty="0" smtClean="0"/>
-              <a:t>   </a:t>
-            </a:r>
-            <a:r>
-              <a:rPr lang="en-US" altLang="ko-KR" sz="1200" dirty="0" err="1" smtClean="0"/>
-              <a:t>pAdo</a:t>
-            </a:r>
-            <a:r>
-              <a:rPr lang="en-US" altLang="ko-KR" sz="1200" dirty="0" smtClean="0"/>
-              <a:t>-&gt;Execute(</a:t>
-            </a:r>
-            <a:r>
-              <a:rPr lang="en-US" altLang="ko-KR" sz="1200" dirty="0" err="1" smtClean="0"/>
-              <a:t>adCmdText</a:t>
-            </a:r>
-            <a:r>
-              <a:rPr lang="en-US" altLang="ko-KR" sz="1200" dirty="0" smtClean="0"/>
-              <a:t>);</a:t>
-            </a:r>
-          </a:p>
-          <a:p>
-            <a:r>
-              <a:rPr lang="en-US" altLang="ko-KR" sz="1200" dirty="0" smtClean="0"/>
-              <a:t>  </a:t>
-            </a:r>
-          </a:p>
-          <a:p>
-            <a:r>
-              <a:rPr lang="en-US" altLang="ko-KR" sz="1200" dirty="0"/>
-              <a:t> </a:t>
-            </a:r>
-            <a:r>
-              <a:rPr lang="en-US" altLang="ko-KR" sz="1200" dirty="0" smtClean="0"/>
-              <a:t>  if( !</a:t>
-            </a:r>
-            <a:r>
-              <a:rPr lang="en-US" altLang="ko-KR" sz="1200" dirty="0" err="1" smtClean="0"/>
-              <a:t>pAdo</a:t>
-            </a:r>
-            <a:r>
-              <a:rPr lang="en-US" altLang="ko-KR" sz="1200" dirty="0" smtClean="0"/>
-              <a:t>-&gt;</a:t>
-            </a:r>
-            <a:r>
-              <a:rPr lang="en-US" altLang="ko-KR" sz="1200" dirty="0" err="1" smtClean="0"/>
-              <a:t>IsSuccess</a:t>
-            </a:r>
-            <a:r>
-              <a:rPr lang="en-US" altLang="ko-KR" sz="1200" dirty="0" smtClean="0"/>
-              <a:t>() ) </a:t>
-            </a:r>
-          </a:p>
-          <a:p>
-            <a:r>
-              <a:rPr lang="en-US" altLang="ko-KR" sz="1200" dirty="0" smtClean="0"/>
-              <a:t>   {</a:t>
-            </a:r>
-          </a:p>
-          <a:p>
-            <a:r>
-              <a:rPr lang="en-US" altLang="ko-KR" sz="1200" dirty="0" smtClean="0"/>
-              <a:t>       std::</a:t>
-            </a:r>
-            <a:r>
-              <a:rPr lang="en-US" altLang="ko-KR" sz="1200" dirty="0" err="1" smtClean="0"/>
-              <a:t>wcout</a:t>
-            </a:r>
-            <a:r>
-              <a:rPr lang="en-US" altLang="ko-KR" sz="1200" dirty="0" smtClean="0"/>
-              <a:t> &lt;&lt; L"</a:t>
-            </a:r>
-            <a:r>
-              <a:rPr lang="ko-KR" altLang="en-US" sz="1200" dirty="0" err="1" smtClean="0"/>
-              <a:t>쿼리문</a:t>
-            </a:r>
-            <a:r>
-              <a:rPr lang="ko-KR" altLang="en-US" sz="1200" dirty="0" smtClean="0"/>
-              <a:t> 실패</a:t>
-            </a:r>
-            <a:r>
-              <a:rPr lang="en-US" altLang="ko-KR" sz="1200" dirty="0" smtClean="0"/>
-              <a:t>" &lt;&lt; std::</a:t>
-            </a:r>
-            <a:r>
-              <a:rPr lang="en-US" altLang="ko-KR" sz="1200" dirty="0" err="1" smtClean="0"/>
-              <a:t>endl</a:t>
-            </a:r>
-            <a:r>
-              <a:rPr lang="en-US" altLang="ko-KR" sz="1200" dirty="0" smtClean="0"/>
-              <a:t>;</a:t>
-            </a:r>
-          </a:p>
-          <a:p>
-            <a:r>
-              <a:rPr lang="en-US" altLang="ko-KR" sz="1200" dirty="0" smtClean="0"/>
-              <a:t>       return 0;</a:t>
-            </a:r>
-          </a:p>
-          <a:p>
-            <a:r>
-              <a:rPr lang="en-US" altLang="ko-KR" sz="1200" dirty="0" smtClean="0"/>
-              <a:t>   }</a:t>
-            </a:r>
-          </a:p>
-          <a:p>
-            <a:r>
-              <a:rPr lang="en-US" altLang="ko-KR" sz="1200" dirty="0" smtClean="0"/>
-              <a:t>   else</a:t>
-            </a:r>
-          </a:p>
-          <a:p>
-            <a:r>
-              <a:rPr lang="en-US" altLang="ko-KR" sz="1200" dirty="0" smtClean="0"/>
-              <a:t>  {</a:t>
-            </a:r>
-          </a:p>
-          <a:p>
-            <a:r>
-              <a:rPr lang="en-US" altLang="ko-KR" sz="1200" dirty="0" smtClean="0"/>
-              <a:t>       std::</a:t>
-            </a:r>
-            <a:r>
-              <a:rPr lang="en-US" altLang="ko-KR" sz="1200" dirty="0" err="1" smtClean="0"/>
-              <a:t>wcout</a:t>
-            </a:r>
-            <a:r>
-              <a:rPr lang="en-US" altLang="ko-KR" sz="1200" dirty="0" smtClean="0"/>
-              <a:t> &lt;&lt; L"</a:t>
-            </a:r>
-            <a:r>
-              <a:rPr lang="ko-KR" altLang="en-US" sz="1200" dirty="0" err="1" smtClean="0"/>
-              <a:t>쿼리문</a:t>
-            </a:r>
-            <a:r>
-              <a:rPr lang="ko-KR" altLang="en-US" sz="1200" dirty="0" smtClean="0"/>
-              <a:t> 성공</a:t>
-            </a:r>
-            <a:r>
-              <a:rPr lang="en-US" altLang="ko-KR" sz="1200" dirty="0" smtClean="0"/>
-              <a:t>" &lt;&lt; std::</a:t>
-            </a:r>
-            <a:r>
-              <a:rPr lang="en-US" altLang="ko-KR" sz="1200" dirty="0" err="1" smtClean="0"/>
-              <a:t>endl</a:t>
-            </a:r>
-            <a:r>
-              <a:rPr lang="en-US" altLang="ko-KR" sz="1200" dirty="0" smtClean="0"/>
-              <a:t>;</a:t>
-            </a:r>
-          </a:p>
-          <a:p>
-            <a:r>
-              <a:rPr lang="en-US" altLang="ko-KR" sz="1200" dirty="0" smtClean="0"/>
-              <a:t>  }</a:t>
-            </a:r>
-            <a:endParaRPr lang="ko-KR" altLang="en-US" sz="1200" dirty="0"/>
-          </a:p>
-        </p:txBody>
-      </p:sp>
-    </p:spTree>
-  </p:cSld>
-  <p:clrMapOvr>
-    <a:masterClrMapping/>
-  </p:clrMapOvr>
-</p:sld>
-</file>
-
-<file path=ppt/slides/slide8.xml><?xml version="1.0" encoding="utf-8"?>
-<p:sld xmlns:a="http://schemas.openxmlformats.org/drawingml/2006/main" xmlns:r="http://schemas.openxmlformats.org/officeDocument/2006/relationships" xmlns:p="http://schemas.openxmlformats.org/presentationml/2006/main">
-  <p:cSld>
-    <p:spTree>
-      <p:nvGrpSpPr>
-        <p:cNvPr id="1" name=""/>
-        <p:cNvGrpSpPr/>
-        <p:nvPr/>
-      </p:nvGrpSpPr>
-      <p:grpSpPr>
-        <a:xfrm>
-          <a:off x="0" y="0"/>
-          <a:ext cx="0" cy="0"/>
-          <a:chOff x="0" y="0"/>
-          <a:chExt cx="0" cy="0"/>
-        </a:xfrm>
-      </p:grpSpPr>
       <p:sp>
         <p:nvSpPr>
           <p:cNvPr id="3" name="TextBox 2"/>
@@ -5814,6 +4233,1432 @@
 </p:sld>
 </file>
 
+<file path=ppt/slides/slide11.xml><?xml version="1.0" encoding="utf-8"?>
+<p:sld xmlns:a="http://schemas.openxmlformats.org/drawingml/2006/main" xmlns:r="http://schemas.openxmlformats.org/officeDocument/2006/relationships" xmlns:p="http://schemas.openxmlformats.org/presentationml/2006/main">
+  <p:cSld>
+    <p:spTree>
+      <p:nvGrpSpPr>
+        <p:cNvPr id="1" name=""/>
+        <p:cNvGrpSpPr/>
+        <p:nvPr/>
+      </p:nvGrpSpPr>
+      <p:grpSpPr>
+        <a:xfrm>
+          <a:off x="0" y="0"/>
+          <a:ext cx="0" cy="0"/>
+          <a:chOff x="0" y="0"/>
+          <a:chExt cx="0" cy="0"/>
+        </a:xfrm>
+      </p:grpSpPr>
+    </p:spTree>
+  </p:cSld>
+  <p:clrMapOvr>
+    <a:masterClrMapping/>
+  </p:clrMapOvr>
+</p:sld>
+</file>
+
+<file path=ppt/slides/slide12.xml><?xml version="1.0" encoding="utf-8"?>
+<p:sld xmlns:a="http://schemas.openxmlformats.org/drawingml/2006/main" xmlns:r="http://schemas.openxmlformats.org/officeDocument/2006/relationships" xmlns:p="http://schemas.openxmlformats.org/presentationml/2006/main">
+  <p:cSld>
+    <p:spTree>
+      <p:nvGrpSpPr>
+        <p:cNvPr id="1" name=""/>
+        <p:cNvGrpSpPr/>
+        <p:nvPr/>
+      </p:nvGrpSpPr>
+      <p:grpSpPr>
+        <a:xfrm>
+          <a:off x="0" y="0"/>
+          <a:ext cx="0" cy="0"/>
+          <a:chOff x="0" y="0"/>
+          <a:chExt cx="0" cy="0"/>
+        </a:xfrm>
+      </p:grpSpPr>
+    </p:spTree>
+  </p:cSld>
+  <p:clrMapOvr>
+    <a:masterClrMapping/>
+  </p:clrMapOvr>
+</p:sld>
+</file>
+
+<file path=ppt/slides/slide2.xml><?xml version="1.0" encoding="utf-8"?>
+<p:sld xmlns:a="http://schemas.openxmlformats.org/drawingml/2006/main" xmlns:r="http://schemas.openxmlformats.org/officeDocument/2006/relationships" xmlns:p="http://schemas.openxmlformats.org/presentationml/2006/main">
+  <p:cSld>
+    <p:spTree>
+      <p:nvGrpSpPr>
+        <p:cNvPr id="1" name=""/>
+        <p:cNvGrpSpPr/>
+        <p:nvPr/>
+      </p:nvGrpSpPr>
+      <p:grpSpPr>
+        <a:xfrm>
+          <a:off x="0" y="0"/>
+          <a:ext cx="0" cy="0"/>
+          <a:chOff x="0" y="0"/>
+          <a:chExt cx="0" cy="0"/>
+        </a:xfrm>
+      </p:grpSpPr>
+      <p:sp>
+        <p:nvSpPr>
+          <p:cNvPr id="2" name="직사각형 1"/>
+          <p:cNvSpPr/>
+          <p:nvPr/>
+        </p:nvSpPr>
+        <p:spPr>
+          <a:xfrm>
+            <a:off x="2304256" y="548680"/>
+            <a:ext cx="4572000" cy="1754326"/>
+          </a:xfrm>
+          <a:prstGeom prst="rect">
+            <a:avLst/>
+          </a:prstGeom>
+        </p:spPr>
+        <p:txBody>
+          <a:bodyPr>
+            <a:spAutoFit/>
+          </a:bodyPr>
+          <a:lstStyle/>
+          <a:p>
+            <a:r>
+              <a:rPr lang="en-US" altLang="ko-KR" dirty="0"/>
+              <a:t>CREATE TABLE [</a:t>
+            </a:r>
+            <a:r>
+              <a:rPr lang="en-US" altLang="ko-KR" dirty="0" err="1"/>
+              <a:t>dbo</a:t>
+            </a:r>
+            <a:r>
+              <a:rPr lang="en-US" altLang="ko-KR" dirty="0"/>
+              <a:t>].[Test_Temp2](</a:t>
+            </a:r>
+          </a:p>
+          <a:p>
+            <a:r>
+              <a:rPr lang="en-US" altLang="ko-KR" dirty="0"/>
+              <a:t>	[ID] [</a:t>
+            </a:r>
+            <a:r>
+              <a:rPr lang="en-US" altLang="ko-KR" dirty="0" err="1"/>
+              <a:t>nvarchar</a:t>
+            </a:r>
+            <a:r>
+              <a:rPr lang="en-US" altLang="ko-KR" dirty="0"/>
+              <a:t>](50) NOT NULL,</a:t>
+            </a:r>
+          </a:p>
+          <a:p>
+            <a:r>
+              <a:rPr lang="en-US" altLang="ko-KR" dirty="0"/>
+              <a:t>	[</a:t>
+            </a:r>
+            <a:r>
+              <a:rPr lang="en-US" altLang="ko-KR" dirty="0" err="1"/>
+              <a:t>UserCode</a:t>
+            </a:r>
+            <a:r>
+              <a:rPr lang="en-US" altLang="ko-KR" dirty="0"/>
+              <a:t>] [</a:t>
+            </a:r>
+            <a:r>
+              <a:rPr lang="en-US" altLang="ko-KR" dirty="0" err="1"/>
+              <a:t>int</a:t>
+            </a:r>
+            <a:r>
+              <a:rPr lang="en-US" altLang="ko-KR" dirty="0"/>
+              <a:t>] NOT NULL,</a:t>
+            </a:r>
+          </a:p>
+          <a:p>
+            <a:r>
+              <a:rPr lang="en-US" altLang="ko-KR" dirty="0"/>
+              <a:t>	[</a:t>
+            </a:r>
+            <a:r>
+              <a:rPr lang="en-US" altLang="ko-KR" dirty="0" err="1"/>
+              <a:t>Lv</a:t>
+            </a:r>
+            <a:r>
+              <a:rPr lang="en-US" altLang="ko-KR" dirty="0"/>
+              <a:t>] [</a:t>
+            </a:r>
+            <a:r>
+              <a:rPr lang="en-US" altLang="ko-KR" dirty="0" err="1"/>
+              <a:t>int</a:t>
+            </a:r>
+            <a:r>
+              <a:rPr lang="en-US" altLang="ko-KR" dirty="0"/>
+              <a:t>] NOT NULL,</a:t>
+            </a:r>
+          </a:p>
+          <a:p>
+            <a:r>
+              <a:rPr lang="en-US" altLang="ko-KR" dirty="0"/>
+              <a:t>	[Money] [</a:t>
+            </a:r>
+            <a:r>
+              <a:rPr lang="en-US" altLang="ko-KR" dirty="0" err="1"/>
+              <a:t>bigint</a:t>
+            </a:r>
+            <a:r>
+              <a:rPr lang="en-US" altLang="ko-KR" dirty="0"/>
+              <a:t>] NOT NULL</a:t>
+            </a:r>
+          </a:p>
+          <a:p>
+            <a:r>
+              <a:rPr lang="en-US" altLang="ko-KR" dirty="0"/>
+              <a:t>) ON [PRIMARY]</a:t>
+            </a:r>
+            <a:endParaRPr lang="ko-KR" altLang="en-US" dirty="0"/>
+          </a:p>
+        </p:txBody>
+      </p:sp>
+    </p:spTree>
+    <p:extLst>
+      <p:ext uri="{BB962C8B-B14F-4D97-AF65-F5344CB8AC3E}">
+        <p14:creationId xmlns:p14="http://schemas.microsoft.com/office/powerpoint/2010/main" val="2069959566"/>
+      </p:ext>
+    </p:extLst>
+  </p:cSld>
+  <p:clrMapOvr>
+    <a:masterClrMapping/>
+  </p:clrMapOvr>
+</p:sld>
+</file>
+
+<file path=ppt/slides/slide3.xml><?xml version="1.0" encoding="utf-8"?>
+<p:sld xmlns:a="http://schemas.openxmlformats.org/drawingml/2006/main" xmlns:r="http://schemas.openxmlformats.org/officeDocument/2006/relationships" xmlns:p="http://schemas.openxmlformats.org/presentationml/2006/main">
+  <p:cSld>
+    <p:spTree>
+      <p:nvGrpSpPr>
+        <p:cNvPr id="1" name=""/>
+        <p:cNvGrpSpPr/>
+        <p:nvPr/>
+      </p:nvGrpSpPr>
+      <p:grpSpPr>
+        <a:xfrm>
+          <a:off x="0" y="0"/>
+          <a:ext cx="0" cy="0"/>
+          <a:chOff x="0" y="0"/>
+          <a:chExt cx="0" cy="0"/>
+        </a:xfrm>
+      </p:grpSpPr>
+      <p:sp>
+        <p:nvSpPr>
+          <p:cNvPr id="2" name="직사각형 1"/>
+          <p:cNvSpPr/>
+          <p:nvPr/>
+        </p:nvSpPr>
+        <p:spPr>
+          <a:xfrm>
+            <a:off x="2051720" y="908720"/>
+            <a:ext cx="4555221" cy="369332"/>
+          </a:xfrm>
+          <a:prstGeom prst="rect">
+            <a:avLst/>
+          </a:prstGeom>
+        </p:spPr>
+        <p:txBody>
+          <a:bodyPr wrap="none">
+            <a:spAutoFit/>
+          </a:bodyPr>
+          <a:lstStyle/>
+          <a:p>
+            <a:r>
+              <a:rPr lang="en-US" altLang="ko-KR" dirty="0"/>
+              <a:t>http://cafe.naver.com/ongameserver/3412</a:t>
+            </a:r>
+            <a:endParaRPr lang="ko-KR" altLang="en-US" dirty="0"/>
+          </a:p>
+        </p:txBody>
+      </p:sp>
+    </p:spTree>
+    <p:extLst>
+      <p:ext uri="{BB962C8B-B14F-4D97-AF65-F5344CB8AC3E}">
+        <p14:creationId xmlns:p14="http://schemas.microsoft.com/office/powerpoint/2010/main" val="831085860"/>
+      </p:ext>
+    </p:extLst>
+  </p:cSld>
+  <p:clrMapOvr>
+    <a:masterClrMapping/>
+  </p:clrMapOvr>
+</p:sld>
+</file>
+
+<file path=ppt/slides/slide4.xml><?xml version="1.0" encoding="utf-8"?>
+<p:sld xmlns:a="http://schemas.openxmlformats.org/drawingml/2006/main" xmlns:r="http://schemas.openxmlformats.org/officeDocument/2006/relationships" xmlns:p="http://schemas.openxmlformats.org/presentationml/2006/main">
+  <p:cSld>
+    <p:spTree>
+      <p:nvGrpSpPr>
+        <p:cNvPr id="1" name=""/>
+        <p:cNvGrpSpPr/>
+        <p:nvPr/>
+      </p:nvGrpSpPr>
+      <p:grpSpPr>
+        <a:xfrm>
+          <a:off x="0" y="0"/>
+          <a:ext cx="0" cy="0"/>
+          <a:chOff x="0" y="0"/>
+          <a:chExt cx="0" cy="0"/>
+        </a:xfrm>
+      </p:grpSpPr>
+      <p:sp>
+        <p:nvSpPr>
+          <p:cNvPr id="2" name="TextBox 1"/>
+          <p:cNvSpPr txBox="1"/>
+          <p:nvPr/>
+        </p:nvSpPr>
+        <p:spPr>
+          <a:xfrm>
+            <a:off x="611560" y="764704"/>
+            <a:ext cx="7848872" cy="3416320"/>
+          </a:xfrm>
+          <a:prstGeom prst="rect">
+            <a:avLst/>
+          </a:prstGeom>
+          <a:noFill/>
+        </p:spPr>
+        <p:txBody>
+          <a:bodyPr wrap="square" rtlCol="0">
+            <a:spAutoFit/>
+          </a:bodyPr>
+          <a:lstStyle/>
+          <a:p>
+            <a:r>
+              <a:rPr lang="ko-KR" altLang="en-US" dirty="0" smtClean="0"/>
+              <a:t>이 라이브러리는 김영찬님이 만든 것으로 </a:t>
+            </a:r>
+            <a:r>
+              <a:rPr lang="en-US" altLang="ko-KR" dirty="0" smtClean="0"/>
+              <a:t>‘</a:t>
+            </a:r>
+            <a:r>
+              <a:rPr lang="ko-KR" altLang="en-US" dirty="0" smtClean="0"/>
+              <a:t>온라인 서버 제작자 모임</a:t>
+            </a:r>
+            <a:r>
+              <a:rPr lang="en-US" altLang="ko-KR" dirty="0" smtClean="0"/>
+              <a:t>’ </a:t>
+            </a:r>
+            <a:r>
+              <a:rPr lang="ko-KR" altLang="en-US" dirty="0" smtClean="0"/>
+              <a:t>카페에서 공개했던 라이브러리입니다</a:t>
+            </a:r>
+            <a:r>
+              <a:rPr lang="en-US" altLang="ko-KR" dirty="0" smtClean="0"/>
+              <a:t>.</a:t>
+            </a:r>
+          </a:p>
+          <a:p>
+            <a:r>
+              <a:rPr lang="en-US" altLang="ko-KR" dirty="0" smtClean="0"/>
+              <a:t>( </a:t>
+            </a:r>
+            <a:r>
+              <a:rPr lang="en-US" altLang="ko-KR" dirty="0" smtClean="0">
+                <a:hlinkClick r:id="rId2"/>
+              </a:rPr>
+              <a:t>http://cafe.naver.com/ongameserver.cafe</a:t>
+            </a:r>
+            <a:r>
+              <a:rPr lang="en-US" altLang="ko-KR" dirty="0" smtClean="0"/>
+              <a:t> )</a:t>
+            </a:r>
+          </a:p>
+          <a:p>
+            <a:endParaRPr lang="en-US" altLang="ko-KR" dirty="0"/>
+          </a:p>
+          <a:p>
+            <a:r>
+              <a:rPr lang="ko-KR" altLang="en-US" dirty="0" smtClean="0"/>
+              <a:t>김영찬님의 동의를 얻어서 </a:t>
+            </a:r>
+            <a:r>
+              <a:rPr lang="en-US" altLang="ko-KR" dirty="0" err="1" smtClean="0"/>
+              <a:t>HalfNetwork</a:t>
+            </a:r>
+            <a:r>
+              <a:rPr lang="ko-KR" altLang="en-US" dirty="0" smtClean="0"/>
+              <a:t>의 외부 라이브러리로 제공되었습니다</a:t>
+            </a:r>
+            <a:r>
+              <a:rPr lang="en-US" altLang="ko-KR" dirty="0" smtClean="0"/>
+              <a:t>.</a:t>
+            </a:r>
+          </a:p>
+          <a:p>
+            <a:endParaRPr lang="en-US" altLang="ko-KR" dirty="0"/>
+          </a:p>
+          <a:p>
+            <a:r>
+              <a:rPr lang="ko-KR" altLang="en-US" dirty="0" smtClean="0"/>
+              <a:t>문서가 부실합니다</a:t>
+            </a:r>
+            <a:r>
+              <a:rPr lang="en-US" altLang="ko-KR" dirty="0" smtClean="0"/>
+              <a:t>. </a:t>
+            </a:r>
+            <a:r>
+              <a:rPr lang="ko-KR" altLang="en-US" dirty="0" smtClean="0"/>
+              <a:t>그러나 코드를 보면 이해하는데 크게 어려움은 없으리라 생각합니다</a:t>
+            </a:r>
+            <a:r>
+              <a:rPr lang="en-US" altLang="ko-KR" dirty="0" smtClean="0"/>
+              <a:t>.</a:t>
+            </a:r>
+          </a:p>
+          <a:p>
+            <a:endParaRPr lang="en-US" altLang="ko-KR" dirty="0"/>
+          </a:p>
+          <a:p>
+            <a:r>
+              <a:rPr lang="ko-KR" altLang="en-US" dirty="0" smtClean="0"/>
+              <a:t>개인적인 생각으로는 이 라이브러리를 사용할 때는 사용하는 프로젝트에 맞게 수정 하는 것이 좋다고 생각합니다</a:t>
+            </a:r>
+            <a:r>
+              <a:rPr lang="en-US" altLang="ko-KR" dirty="0" smtClean="0"/>
+              <a:t>.</a:t>
+            </a:r>
+            <a:endParaRPr lang="ko-KR" altLang="en-US" dirty="0"/>
+          </a:p>
+        </p:txBody>
+      </p:sp>
+    </p:spTree>
+  </p:cSld>
+  <p:clrMapOvr>
+    <a:masterClrMapping/>
+  </p:clrMapOvr>
+</p:sld>
+</file>
+
+<file path=ppt/slides/slide5.xml><?xml version="1.0" encoding="utf-8"?>
+<p:sld xmlns:a="http://schemas.openxmlformats.org/drawingml/2006/main" xmlns:r="http://schemas.openxmlformats.org/officeDocument/2006/relationships" xmlns:p="http://schemas.openxmlformats.org/presentationml/2006/main">
+  <p:cSld>
+    <p:spTree>
+      <p:nvGrpSpPr>
+        <p:cNvPr id="1" name=""/>
+        <p:cNvGrpSpPr/>
+        <p:nvPr/>
+      </p:nvGrpSpPr>
+      <p:grpSpPr>
+        <a:xfrm>
+          <a:off x="0" y="0"/>
+          <a:ext cx="0" cy="0"/>
+          <a:chOff x="0" y="0"/>
+          <a:chExt cx="0" cy="0"/>
+        </a:xfrm>
+      </p:grpSpPr>
+      <p:sp>
+        <p:nvSpPr>
+          <p:cNvPr id="3" name="TextBox 2"/>
+          <p:cNvSpPr txBox="1"/>
+          <p:nvPr/>
+        </p:nvSpPr>
+        <p:spPr>
+          <a:xfrm>
+            <a:off x="611560" y="692696"/>
+            <a:ext cx="6408712" cy="584775"/>
+          </a:xfrm>
+          <a:prstGeom prst="rect">
+            <a:avLst/>
+          </a:prstGeom>
+          <a:noFill/>
+        </p:spPr>
+        <p:txBody>
+          <a:bodyPr wrap="square" rtlCol="0">
+            <a:spAutoFit/>
+          </a:bodyPr>
+          <a:lstStyle/>
+          <a:p>
+            <a:r>
+              <a:rPr lang="ko-KR" altLang="en-US" sz="3200" b="1" dirty="0" smtClean="0"/>
+              <a:t>라이브러리 파일</a:t>
+            </a:r>
+            <a:endParaRPr lang="ko-KR" altLang="en-US" sz="3200" b="1" dirty="0"/>
+          </a:p>
+        </p:txBody>
+      </p:sp>
+      <p:sp>
+        <p:nvSpPr>
+          <p:cNvPr id="4" name="TextBox 3"/>
+          <p:cNvSpPr txBox="1"/>
+          <p:nvPr/>
+        </p:nvSpPr>
+        <p:spPr>
+          <a:xfrm>
+            <a:off x="683568" y="1556792"/>
+            <a:ext cx="7992888" cy="3970318"/>
+          </a:xfrm>
+          <a:prstGeom prst="rect">
+            <a:avLst/>
+          </a:prstGeom>
+          <a:noFill/>
+        </p:spPr>
+        <p:txBody>
+          <a:bodyPr wrap="square" rtlCol="0">
+            <a:spAutoFit/>
+          </a:bodyPr>
+          <a:lstStyle/>
+          <a:p>
+            <a:r>
+              <a:rPr lang="en-US" altLang="ko-KR" dirty="0" smtClean="0"/>
+              <a:t>VC++10</a:t>
+            </a:r>
+            <a:r>
+              <a:rPr lang="ko-KR" altLang="en-US" dirty="0" smtClean="0"/>
+              <a:t>으로 만들어진 </a:t>
+            </a:r>
+            <a:r>
+              <a:rPr lang="en-US" altLang="ko-KR" dirty="0" err="1" smtClean="0"/>
+              <a:t>ADOLib</a:t>
+            </a:r>
+            <a:r>
+              <a:rPr lang="en-US" altLang="ko-KR" dirty="0" smtClean="0"/>
+              <a:t> </a:t>
+            </a:r>
+            <a:r>
+              <a:rPr lang="ko-KR" altLang="en-US" dirty="0" smtClean="0"/>
+              <a:t>프로젝트는 </a:t>
+            </a:r>
+            <a:r>
+              <a:rPr lang="en-US" altLang="ko-KR" dirty="0" smtClean="0"/>
+              <a:t>ADO </a:t>
+            </a:r>
+            <a:r>
+              <a:rPr lang="ko-KR" altLang="en-US" dirty="0" smtClean="0"/>
+              <a:t>라이브러리와 예제가 같이 있습니다</a:t>
+            </a:r>
+            <a:r>
+              <a:rPr lang="en-US" altLang="ko-KR" dirty="0" smtClean="0"/>
+              <a:t>.</a:t>
+            </a:r>
+          </a:p>
+          <a:p>
+            <a:endParaRPr lang="en-US" altLang="ko-KR" dirty="0"/>
+          </a:p>
+          <a:p>
+            <a:r>
+              <a:rPr lang="ko-KR" altLang="en-US" dirty="0" smtClean="0"/>
+              <a:t>파일 중 </a:t>
+            </a:r>
+            <a:endParaRPr lang="en-US" altLang="ko-KR" dirty="0" smtClean="0"/>
+          </a:p>
+          <a:p>
+            <a:r>
+              <a:rPr lang="en-US" altLang="ko-KR" dirty="0" err="1" smtClean="0"/>
+              <a:t>Lock.h</a:t>
+            </a:r>
+            <a:r>
+              <a:rPr lang="en-US" altLang="ko-KR" dirty="0" smtClean="0"/>
+              <a:t>  </a:t>
+            </a:r>
+          </a:p>
+          <a:p>
+            <a:r>
+              <a:rPr lang="en-US" altLang="ko-KR" dirty="0" err="1" smtClean="0"/>
+              <a:t>Unidef.h</a:t>
+            </a:r>
+            <a:r>
+              <a:rPr lang="en-US" altLang="ko-KR" dirty="0" smtClean="0"/>
+              <a:t> </a:t>
+            </a:r>
+          </a:p>
+          <a:p>
+            <a:r>
+              <a:rPr lang="en-US" altLang="ko-KR" dirty="0" smtClean="0"/>
+              <a:t>ado.cpp </a:t>
+            </a:r>
+          </a:p>
+          <a:p>
+            <a:r>
+              <a:rPr lang="en-US" altLang="ko-KR" dirty="0" err="1" smtClean="0"/>
+              <a:t>ado.h</a:t>
+            </a:r>
+            <a:r>
+              <a:rPr lang="en-US" altLang="ko-KR" dirty="0" smtClean="0"/>
+              <a:t>  </a:t>
+            </a:r>
+          </a:p>
+          <a:p>
+            <a:r>
+              <a:rPr lang="en-US" altLang="ko-KR" dirty="0" err="1" smtClean="0"/>
+              <a:t>AdoManager.h</a:t>
+            </a:r>
+            <a:endParaRPr lang="en-US" altLang="ko-KR" dirty="0" smtClean="0"/>
+          </a:p>
+          <a:p>
+            <a:endParaRPr lang="en-US" altLang="ko-KR" dirty="0"/>
+          </a:p>
+          <a:p>
+            <a:r>
+              <a:rPr lang="ko-KR" altLang="en-US" dirty="0" smtClean="0"/>
+              <a:t>파일만이 </a:t>
+            </a:r>
+            <a:r>
+              <a:rPr lang="en-US" altLang="ko-KR" dirty="0" smtClean="0"/>
+              <a:t>ADO </a:t>
+            </a:r>
+            <a:r>
+              <a:rPr lang="ko-KR" altLang="en-US" dirty="0" smtClean="0"/>
+              <a:t>라이브러리 파일입니다</a:t>
+            </a:r>
+            <a:r>
+              <a:rPr lang="en-US" altLang="ko-KR" dirty="0" smtClean="0"/>
+              <a:t>. </a:t>
+            </a:r>
+          </a:p>
+          <a:p>
+            <a:endParaRPr lang="en-US" altLang="ko-KR" dirty="0"/>
+          </a:p>
+          <a:p>
+            <a:endParaRPr lang="en-US" altLang="ko-KR" dirty="0" smtClean="0"/>
+          </a:p>
+          <a:p>
+            <a:r>
+              <a:rPr lang="en-US" altLang="ko-KR" dirty="0" smtClean="0"/>
+              <a:t>‘ADO_Test.txt’ </a:t>
+            </a:r>
+            <a:r>
+              <a:rPr lang="ko-KR" altLang="en-US" dirty="0" smtClean="0"/>
+              <a:t>파일에는 예제 코드가 있습니다</a:t>
+            </a:r>
+            <a:r>
+              <a:rPr lang="en-US" altLang="ko-KR" dirty="0" smtClean="0"/>
+              <a:t>. </a:t>
+            </a:r>
+            <a:r>
+              <a:rPr lang="ko-KR" altLang="en-US" dirty="0" smtClean="0"/>
+              <a:t>꼭 참고하세요</a:t>
+            </a:r>
+          </a:p>
+        </p:txBody>
+      </p:sp>
+    </p:spTree>
+  </p:cSld>
+  <p:clrMapOvr>
+    <a:masterClrMapping/>
+  </p:clrMapOvr>
+</p:sld>
+</file>
+
+<file path=ppt/slides/slide6.xml><?xml version="1.0" encoding="utf-8"?>
+<p:sld xmlns:a="http://schemas.openxmlformats.org/drawingml/2006/main" xmlns:r="http://schemas.openxmlformats.org/officeDocument/2006/relationships" xmlns:p="http://schemas.openxmlformats.org/presentationml/2006/main">
+  <p:cSld>
+    <p:spTree>
+      <p:nvGrpSpPr>
+        <p:cNvPr id="1" name=""/>
+        <p:cNvGrpSpPr/>
+        <p:nvPr/>
+      </p:nvGrpSpPr>
+      <p:grpSpPr>
+        <a:xfrm>
+          <a:off x="0" y="0"/>
+          <a:ext cx="0" cy="0"/>
+          <a:chOff x="0" y="0"/>
+          <a:chExt cx="0" cy="0"/>
+        </a:xfrm>
+      </p:grpSpPr>
+      <p:sp>
+        <p:nvSpPr>
+          <p:cNvPr id="2" name="TextBox 1"/>
+          <p:cNvSpPr txBox="1"/>
+          <p:nvPr/>
+        </p:nvSpPr>
+        <p:spPr>
+          <a:xfrm>
+            <a:off x="1331640" y="2636912"/>
+            <a:ext cx="6408712" cy="1200329"/>
+          </a:xfrm>
+          <a:prstGeom prst="rect">
+            <a:avLst/>
+          </a:prstGeom>
+          <a:noFill/>
+        </p:spPr>
+        <p:txBody>
+          <a:bodyPr wrap="square" rtlCol="0">
+            <a:spAutoFit/>
+          </a:bodyPr>
+          <a:lstStyle/>
+          <a:p>
+            <a:pPr algn="ctr"/>
+            <a:r>
+              <a:rPr lang="en-US" altLang="ko-KR" sz="7200" b="1" dirty="0" smtClean="0"/>
+              <a:t>Tutorial</a:t>
+            </a:r>
+            <a:endParaRPr lang="ko-KR" altLang="en-US" sz="7200" b="1" dirty="0"/>
+          </a:p>
+        </p:txBody>
+      </p:sp>
+    </p:spTree>
+  </p:cSld>
+  <p:clrMapOvr>
+    <a:masterClrMapping/>
+  </p:clrMapOvr>
+</p:sld>
+</file>
+
+<file path=ppt/slides/slide7.xml><?xml version="1.0" encoding="utf-8"?>
+<p:sld xmlns:a="http://schemas.openxmlformats.org/drawingml/2006/main" xmlns:r="http://schemas.openxmlformats.org/officeDocument/2006/relationships" xmlns:p="http://schemas.openxmlformats.org/presentationml/2006/main">
+  <p:cSld>
+    <p:spTree>
+      <p:nvGrpSpPr>
+        <p:cNvPr id="1" name=""/>
+        <p:cNvGrpSpPr/>
+        <p:nvPr/>
+      </p:nvGrpSpPr>
+      <p:grpSpPr>
+        <a:xfrm>
+          <a:off x="0" y="0"/>
+          <a:ext cx="0" cy="0"/>
+          <a:chOff x="0" y="0"/>
+          <a:chExt cx="0" cy="0"/>
+        </a:xfrm>
+      </p:grpSpPr>
+      <p:sp>
+        <p:nvSpPr>
+          <p:cNvPr id="2" name="TextBox 1"/>
+          <p:cNvSpPr txBox="1"/>
+          <p:nvPr/>
+        </p:nvSpPr>
+        <p:spPr>
+          <a:xfrm>
+            <a:off x="395536" y="251937"/>
+            <a:ext cx="6408712" cy="584775"/>
+          </a:xfrm>
+          <a:prstGeom prst="rect">
+            <a:avLst/>
+          </a:prstGeom>
+          <a:noFill/>
+        </p:spPr>
+        <p:txBody>
+          <a:bodyPr wrap="square" rtlCol="0">
+            <a:spAutoFit/>
+          </a:bodyPr>
+          <a:lstStyle/>
+          <a:p>
+            <a:r>
+              <a:rPr lang="ko-KR" altLang="en-US" sz="3200" b="1" dirty="0" smtClean="0"/>
+              <a:t>예제 </a:t>
+            </a:r>
+            <a:r>
+              <a:rPr lang="en-US" altLang="ko-KR" sz="3200" b="1" dirty="0" smtClean="0"/>
+              <a:t>1. </a:t>
+            </a:r>
+            <a:r>
+              <a:rPr lang="ko-KR" altLang="en-US" sz="3200" b="1" dirty="0" smtClean="0"/>
+              <a:t>설정</a:t>
+            </a:r>
+            <a:endParaRPr lang="ko-KR" altLang="en-US" sz="3200" b="1" dirty="0"/>
+          </a:p>
+        </p:txBody>
+      </p:sp>
+      <p:sp>
+        <p:nvSpPr>
+          <p:cNvPr id="3" name="직사각형 2"/>
+          <p:cNvSpPr/>
+          <p:nvPr/>
+        </p:nvSpPr>
+        <p:spPr>
+          <a:xfrm>
+            <a:off x="611560" y="1628800"/>
+            <a:ext cx="6984776" cy="1938992"/>
+          </a:xfrm>
+          <a:prstGeom prst="rect">
+            <a:avLst/>
+          </a:prstGeom>
+          <a:ln>
+            <a:solidFill>
+              <a:schemeClr val="tx1"/>
+            </a:solidFill>
+          </a:ln>
+        </p:spPr>
+        <p:txBody>
+          <a:bodyPr wrap="square">
+            <a:spAutoFit/>
+          </a:bodyPr>
+          <a:lstStyle/>
+          <a:p>
+            <a:r>
+              <a:rPr lang="en-US" altLang="ko-KR" sz="1200" dirty="0" err="1" smtClean="0"/>
+              <a:t>SAdoConfig</a:t>
+            </a:r>
+            <a:r>
+              <a:rPr lang="en-US" altLang="ko-KR" sz="1200" dirty="0" smtClean="0"/>
+              <a:t> </a:t>
+            </a:r>
+            <a:r>
+              <a:rPr lang="en-US" altLang="ko-KR" sz="1200" dirty="0" err="1" smtClean="0"/>
+              <a:t>adoconfig</a:t>
+            </a:r>
+            <a:r>
+              <a:rPr lang="en-US" altLang="ko-KR" sz="1200" dirty="0" smtClean="0"/>
+              <a:t>;</a:t>
+            </a:r>
+          </a:p>
+          <a:p>
+            <a:r>
+              <a:rPr lang="en-US" altLang="ko-KR" sz="1200" dirty="0" err="1" smtClean="0"/>
+              <a:t>adoconfig.SetIP</a:t>
+            </a:r>
+            <a:r>
+              <a:rPr lang="en-US" altLang="ko-KR" sz="1200" dirty="0" smtClean="0"/>
+              <a:t>(_T("</a:t>
+            </a:r>
+            <a:r>
+              <a:rPr lang="en-US" altLang="ko-KR" sz="1200" dirty="0" err="1" smtClean="0"/>
+              <a:t>localhost</a:t>
+            </a:r>
+            <a:r>
+              <a:rPr lang="en-US" altLang="ko-KR" sz="1200" dirty="0" smtClean="0"/>
+              <a:t>\\TEST"));   // </a:t>
+            </a:r>
+            <a:r>
+              <a:rPr lang="ko-KR" altLang="en-US" sz="1200" dirty="0" err="1" smtClean="0"/>
+              <a:t>디비</a:t>
+            </a:r>
+            <a:r>
+              <a:rPr lang="ko-KR" altLang="en-US" sz="1200" dirty="0" smtClean="0"/>
+              <a:t> 주소</a:t>
+            </a:r>
+          </a:p>
+          <a:p>
+            <a:r>
+              <a:rPr lang="en-US" altLang="ko-KR" sz="1200" dirty="0" err="1" smtClean="0"/>
+              <a:t>adoconfig.SetUserID</a:t>
+            </a:r>
+            <a:r>
+              <a:rPr lang="en-US" altLang="ko-KR" sz="1200" dirty="0" smtClean="0"/>
+              <a:t>(_T("</a:t>
+            </a:r>
+            <a:r>
+              <a:rPr lang="en-US" altLang="ko-KR" sz="1200" dirty="0" err="1" smtClean="0"/>
+              <a:t>sa</a:t>
+            </a:r>
+            <a:r>
+              <a:rPr lang="en-US" altLang="ko-KR" sz="1200" dirty="0" smtClean="0"/>
+              <a:t>"));	   // </a:t>
+            </a:r>
+            <a:r>
+              <a:rPr lang="ko-KR" altLang="en-US" sz="1200" dirty="0" smtClean="0"/>
+              <a:t>아이디</a:t>
+            </a:r>
+          </a:p>
+          <a:p>
+            <a:r>
+              <a:rPr lang="en-US" altLang="ko-KR" sz="1200" dirty="0" err="1" smtClean="0"/>
+              <a:t>adoconfig.SetPassword</a:t>
+            </a:r>
+            <a:r>
+              <a:rPr lang="en-US" altLang="ko-KR" sz="1200" dirty="0" smtClean="0"/>
+              <a:t>(_T("dev"));	   // </a:t>
+            </a:r>
+            <a:r>
+              <a:rPr lang="ko-KR" altLang="en-US" sz="1200" dirty="0" smtClean="0"/>
+              <a:t>패스워드</a:t>
+            </a:r>
+          </a:p>
+          <a:p>
+            <a:r>
+              <a:rPr lang="en-US" altLang="ko-KR" sz="1200" dirty="0" err="1" smtClean="0"/>
+              <a:t>adoconfig.SetInitCatalog</a:t>
+            </a:r>
+            <a:r>
+              <a:rPr lang="en-US" altLang="ko-KR" sz="1200" dirty="0" smtClean="0"/>
+              <a:t>(_T("TEST"));       // </a:t>
+            </a:r>
+            <a:r>
+              <a:rPr lang="ko-KR" altLang="en-US" sz="1200" dirty="0" err="1" smtClean="0"/>
+              <a:t>디비</a:t>
+            </a:r>
+            <a:r>
+              <a:rPr lang="ko-KR" altLang="en-US" sz="1200" dirty="0" smtClean="0"/>
+              <a:t> 이름</a:t>
+            </a:r>
+          </a:p>
+          <a:p>
+            <a:r>
+              <a:rPr lang="en-US" altLang="ko-KR" sz="1200" dirty="0" err="1" smtClean="0"/>
+              <a:t>adoconfig.SetConnectionTimeout</a:t>
+            </a:r>
+            <a:r>
+              <a:rPr lang="en-US" altLang="ko-KR" sz="1200" dirty="0" smtClean="0"/>
+              <a:t>(3);</a:t>
+            </a:r>
+          </a:p>
+          <a:p>
+            <a:r>
+              <a:rPr lang="en-US" altLang="ko-KR" sz="1200" dirty="0" err="1" smtClean="0"/>
+              <a:t>adoconfig.SetRetryConnection</a:t>
+            </a:r>
+            <a:r>
+              <a:rPr lang="en-US" altLang="ko-KR" sz="1200" dirty="0" smtClean="0"/>
+              <a:t>(true);</a:t>
+            </a:r>
+          </a:p>
+          <a:p>
+            <a:r>
+              <a:rPr lang="en-US" altLang="ko-KR" sz="1200" dirty="0" err="1" smtClean="0"/>
+              <a:t>adoconfig.SetMaxConnectionPool</a:t>
+            </a:r>
+            <a:r>
+              <a:rPr lang="en-US" altLang="ko-KR" sz="1200" dirty="0" smtClean="0"/>
+              <a:t>(3);</a:t>
+            </a:r>
+          </a:p>
+          <a:p>
+            <a:endParaRPr lang="en-US" altLang="ko-KR" sz="1200" dirty="0" smtClean="0"/>
+          </a:p>
+          <a:p>
+            <a:r>
+              <a:rPr lang="en-US" altLang="ko-KR" sz="1200" dirty="0" err="1" smtClean="0"/>
+              <a:t>CAdoManager</a:t>
+            </a:r>
+            <a:r>
+              <a:rPr lang="en-US" altLang="ko-KR" sz="1200" dirty="0" smtClean="0"/>
+              <a:t>* </a:t>
+            </a:r>
+            <a:r>
+              <a:rPr lang="en-US" altLang="ko-KR" sz="1200" dirty="0" err="1" smtClean="0"/>
+              <a:t>pAdomanager</a:t>
+            </a:r>
+            <a:r>
+              <a:rPr lang="en-US" altLang="ko-KR" sz="1200" dirty="0" smtClean="0"/>
+              <a:t> = new </a:t>
+            </a:r>
+            <a:r>
+              <a:rPr lang="en-US" altLang="ko-KR" sz="1200" dirty="0" err="1" smtClean="0"/>
+              <a:t>CAdoManager</a:t>
+            </a:r>
+            <a:r>
+              <a:rPr lang="en-US" altLang="ko-KR" sz="1200" dirty="0" smtClean="0"/>
+              <a:t>( </a:t>
+            </a:r>
+            <a:r>
+              <a:rPr lang="en-US" altLang="ko-KR" sz="1200" dirty="0" err="1" smtClean="0"/>
+              <a:t>adoconfig</a:t>
+            </a:r>
+            <a:r>
+              <a:rPr lang="en-US" altLang="ko-KR" sz="1200" dirty="0" smtClean="0"/>
+              <a:t> );</a:t>
+            </a:r>
+            <a:endParaRPr lang="ko-KR" altLang="en-US" sz="1200" dirty="0"/>
+          </a:p>
+        </p:txBody>
+      </p:sp>
+    </p:spTree>
+  </p:cSld>
+  <p:clrMapOvr>
+    <a:masterClrMapping/>
+  </p:clrMapOvr>
+</p:sld>
+</file>
+
+<file path=ppt/slides/slide8.xml><?xml version="1.0" encoding="utf-8"?>
+<p:sld xmlns:a="http://schemas.openxmlformats.org/drawingml/2006/main" xmlns:r="http://schemas.openxmlformats.org/officeDocument/2006/relationships" xmlns:p="http://schemas.openxmlformats.org/presentationml/2006/main">
+  <p:cSld>
+    <p:spTree>
+      <p:nvGrpSpPr>
+        <p:cNvPr id="1" name=""/>
+        <p:cNvGrpSpPr/>
+        <p:nvPr/>
+      </p:nvGrpSpPr>
+      <p:grpSpPr>
+        <a:xfrm>
+          <a:off x="0" y="0"/>
+          <a:ext cx="0" cy="0"/>
+          <a:chOff x="0" y="0"/>
+          <a:chExt cx="0" cy="0"/>
+        </a:xfrm>
+      </p:grpSpPr>
+      <p:sp>
+        <p:nvSpPr>
+          <p:cNvPr id="2" name="TextBox 1"/>
+          <p:cNvSpPr txBox="1"/>
+          <p:nvPr/>
+        </p:nvSpPr>
+        <p:spPr>
+          <a:xfrm>
+            <a:off x="395536" y="188640"/>
+            <a:ext cx="6408712" cy="584775"/>
+          </a:xfrm>
+          <a:prstGeom prst="rect">
+            <a:avLst/>
+          </a:prstGeom>
+          <a:noFill/>
+        </p:spPr>
+        <p:txBody>
+          <a:bodyPr wrap="square" rtlCol="0">
+            <a:spAutoFit/>
+          </a:bodyPr>
+          <a:lstStyle/>
+          <a:p>
+            <a:r>
+              <a:rPr lang="ko-KR" altLang="en-US" sz="3200" b="1" dirty="0" smtClean="0"/>
+              <a:t>예제 </a:t>
+            </a:r>
+            <a:r>
+              <a:rPr lang="en-US" altLang="ko-KR" sz="3200" b="1" dirty="0" smtClean="0"/>
+              <a:t>1. </a:t>
+            </a:r>
+            <a:r>
+              <a:rPr lang="ko-KR" altLang="en-US" sz="3200" b="1" dirty="0" smtClean="0"/>
+              <a:t>일반 </a:t>
+            </a:r>
+            <a:r>
+              <a:rPr lang="en-US" altLang="ko-KR" sz="3200" b="1" dirty="0" smtClean="0"/>
+              <a:t>SELECT </a:t>
+            </a:r>
+            <a:r>
+              <a:rPr lang="ko-KR" altLang="en-US" sz="3200" b="1" dirty="0" err="1" smtClean="0"/>
+              <a:t>쿼리문</a:t>
+            </a:r>
+            <a:endParaRPr lang="ko-KR" altLang="en-US" sz="3200" b="1" dirty="0"/>
+          </a:p>
+        </p:txBody>
+      </p:sp>
+      <p:sp>
+        <p:nvSpPr>
+          <p:cNvPr id="3" name="직사각형 2"/>
+          <p:cNvSpPr/>
+          <p:nvPr/>
+        </p:nvSpPr>
+        <p:spPr>
+          <a:xfrm>
+            <a:off x="395536" y="1340768"/>
+            <a:ext cx="5904656" cy="4524315"/>
+          </a:xfrm>
+          <a:prstGeom prst="rect">
+            <a:avLst/>
+          </a:prstGeom>
+          <a:ln>
+            <a:solidFill>
+              <a:schemeClr val="tx1"/>
+            </a:solidFill>
+          </a:ln>
+        </p:spPr>
+        <p:txBody>
+          <a:bodyPr wrap="square">
+            <a:spAutoFit/>
+          </a:bodyPr>
+          <a:lstStyle/>
+          <a:p>
+            <a:r>
+              <a:rPr lang="en-US" altLang="ko-KR" sz="1200" dirty="0" err="1" smtClean="0"/>
+              <a:t>CAdoManager</a:t>
+            </a:r>
+            <a:r>
+              <a:rPr lang="en-US" altLang="ko-KR" sz="1200" dirty="0" smtClean="0"/>
+              <a:t>* </a:t>
+            </a:r>
+            <a:r>
+              <a:rPr lang="en-US" altLang="ko-KR" sz="1200" dirty="0" err="1" smtClean="0"/>
+              <a:t>pAdomanager</a:t>
+            </a:r>
+            <a:r>
+              <a:rPr lang="en-US" altLang="ko-KR" sz="1200" dirty="0" smtClean="0"/>
+              <a:t> = new </a:t>
+            </a:r>
+            <a:r>
+              <a:rPr lang="en-US" altLang="ko-KR" sz="1200" dirty="0" err="1" smtClean="0"/>
+              <a:t>CAdoManager</a:t>
+            </a:r>
+            <a:r>
+              <a:rPr lang="en-US" altLang="ko-KR" sz="1200" dirty="0" smtClean="0"/>
+              <a:t>(</a:t>
+            </a:r>
+            <a:r>
+              <a:rPr lang="en-US" altLang="ko-KR" sz="1200" dirty="0" err="1" smtClean="0"/>
+              <a:t>adoconfig</a:t>
+            </a:r>
+            <a:r>
+              <a:rPr lang="en-US" altLang="ko-KR" sz="1200" dirty="0" smtClean="0"/>
+              <a:t>);</a:t>
+            </a:r>
+          </a:p>
+          <a:p>
+            <a:r>
+              <a:rPr lang="en-US" altLang="ko-KR" sz="1200" dirty="0" err="1" smtClean="0"/>
+              <a:t>CAdo</a:t>
+            </a:r>
+            <a:r>
+              <a:rPr lang="en-US" altLang="ko-KR" sz="1200" dirty="0" smtClean="0"/>
+              <a:t>* </a:t>
+            </a:r>
+            <a:r>
+              <a:rPr lang="en-US" altLang="ko-KR" sz="1200" dirty="0" err="1" smtClean="0"/>
+              <a:t>pAdo</a:t>
+            </a:r>
+            <a:r>
+              <a:rPr lang="en-US" altLang="ko-KR" sz="1200" dirty="0" smtClean="0"/>
+              <a:t> = NULL;</a:t>
+            </a:r>
+          </a:p>
+          <a:p>
+            <a:r>
+              <a:rPr lang="en-US" altLang="ko-KR" sz="1200" dirty="0" smtClean="0"/>
+              <a:t>{</a:t>
+            </a:r>
+          </a:p>
+          <a:p>
+            <a:r>
+              <a:rPr lang="en-US" altLang="ko-KR" sz="1200" dirty="0" smtClean="0"/>
+              <a:t>    </a:t>
+            </a:r>
+            <a:r>
+              <a:rPr lang="en-US" altLang="ko-KR" sz="1200" dirty="0" err="1" smtClean="0"/>
+              <a:t>CScopedAdo</a:t>
+            </a:r>
+            <a:r>
+              <a:rPr lang="en-US" altLang="ko-KR" sz="1200" dirty="0" smtClean="0"/>
+              <a:t> </a:t>
+            </a:r>
+            <a:r>
+              <a:rPr lang="en-US" altLang="ko-KR" sz="1200" dirty="0" err="1" smtClean="0"/>
+              <a:t>scopedado</a:t>
+            </a:r>
+            <a:r>
+              <a:rPr lang="en-US" altLang="ko-KR" sz="1200" dirty="0" smtClean="0"/>
+              <a:t>(</a:t>
+            </a:r>
+            <a:r>
+              <a:rPr lang="en-US" altLang="ko-KR" sz="1200" dirty="0" err="1" smtClean="0"/>
+              <a:t>pAdo</a:t>
+            </a:r>
+            <a:r>
+              <a:rPr lang="en-US" altLang="ko-KR" sz="1200" dirty="0" smtClean="0"/>
+              <a:t>, </a:t>
+            </a:r>
+            <a:r>
+              <a:rPr lang="en-US" altLang="ko-KR" sz="1200" dirty="0" err="1" smtClean="0"/>
+              <a:t>pAdomanager</a:t>
+            </a:r>
+            <a:r>
+              <a:rPr lang="en-US" altLang="ko-KR" sz="1200" dirty="0" smtClean="0"/>
+              <a:t>, false);</a:t>
+            </a:r>
+          </a:p>
+          <a:p>
+            <a:r>
+              <a:rPr lang="en-US" altLang="ko-KR" sz="1200" dirty="0" smtClean="0"/>
+              <a:t>    </a:t>
+            </a:r>
+            <a:r>
+              <a:rPr lang="en-US" altLang="ko-KR" sz="1200" dirty="0" err="1" smtClean="0"/>
+              <a:t>pAdo</a:t>
+            </a:r>
+            <a:r>
+              <a:rPr lang="en-US" altLang="ko-KR" sz="1200" dirty="0" smtClean="0"/>
+              <a:t>-&gt;</a:t>
+            </a:r>
+            <a:r>
+              <a:rPr lang="en-US" altLang="ko-KR" sz="1200" dirty="0" err="1" smtClean="0"/>
+              <a:t>SetQuery</a:t>
+            </a:r>
+            <a:r>
+              <a:rPr lang="en-US" altLang="ko-KR" sz="1200" dirty="0" smtClean="0"/>
+              <a:t>(_T("SELECT UID, PWD FROM Users WHERE ID='jacking'"));</a:t>
+            </a:r>
+          </a:p>
+          <a:p>
+            <a:r>
+              <a:rPr lang="en-US" altLang="ko-KR" sz="1200" dirty="0" smtClean="0"/>
+              <a:t>    </a:t>
+            </a:r>
+            <a:r>
+              <a:rPr lang="en-US" altLang="ko-KR" sz="1200" dirty="0" err="1" smtClean="0"/>
+              <a:t>pAdo</a:t>
+            </a:r>
+            <a:r>
+              <a:rPr lang="en-US" altLang="ko-KR" sz="1200" dirty="0" smtClean="0"/>
+              <a:t>-&gt;Execute(</a:t>
+            </a:r>
+            <a:r>
+              <a:rPr lang="en-US" altLang="ko-KR" sz="1200" dirty="0" err="1" smtClean="0"/>
+              <a:t>adCmdText</a:t>
+            </a:r>
+            <a:r>
+              <a:rPr lang="en-US" altLang="ko-KR" sz="1200" dirty="0" smtClean="0"/>
+              <a:t>);</a:t>
+            </a:r>
+          </a:p>
+          <a:p>
+            <a:r>
+              <a:rPr lang="en-US" altLang="ko-KR" sz="1200" dirty="0" smtClean="0"/>
+              <a:t>    if(!</a:t>
+            </a:r>
+            <a:r>
+              <a:rPr lang="en-US" altLang="ko-KR" sz="1200" dirty="0" err="1" smtClean="0"/>
+              <a:t>pAdo</a:t>
+            </a:r>
+            <a:r>
+              <a:rPr lang="en-US" altLang="ko-KR" sz="1200" dirty="0" smtClean="0"/>
+              <a:t>-&gt;</a:t>
+            </a:r>
+            <a:r>
+              <a:rPr lang="en-US" altLang="ko-KR" sz="1200" dirty="0" err="1" smtClean="0"/>
+              <a:t>IsSuccess</a:t>
+            </a:r>
+            <a:r>
+              <a:rPr lang="en-US" altLang="ko-KR" sz="1200" dirty="0" smtClean="0"/>
+              <a:t>())</a:t>
+            </a:r>
+          </a:p>
+          <a:p>
+            <a:r>
+              <a:rPr lang="en-US" altLang="ko-KR" sz="1200" dirty="0" smtClean="0"/>
+              <a:t>    {</a:t>
+            </a:r>
+          </a:p>
+          <a:p>
+            <a:r>
+              <a:rPr lang="en-US" altLang="ko-KR" sz="1200" dirty="0" smtClean="0"/>
+              <a:t>        std::</a:t>
+            </a:r>
+            <a:r>
+              <a:rPr lang="en-US" altLang="ko-KR" sz="1200" dirty="0" err="1" smtClean="0"/>
+              <a:t>wcout</a:t>
+            </a:r>
+            <a:r>
+              <a:rPr lang="en-US" altLang="ko-KR" sz="1200" dirty="0" smtClean="0"/>
+              <a:t> &lt;&lt; L"</a:t>
+            </a:r>
+            <a:r>
+              <a:rPr lang="ko-KR" altLang="en-US" sz="1200" dirty="0" err="1" smtClean="0"/>
+              <a:t>쿼리문</a:t>
+            </a:r>
+            <a:r>
+              <a:rPr lang="ko-KR" altLang="en-US" sz="1200" dirty="0" smtClean="0"/>
+              <a:t> 실패</a:t>
+            </a:r>
+            <a:r>
+              <a:rPr lang="en-US" altLang="ko-KR" sz="1200" dirty="0" smtClean="0"/>
+              <a:t>" &lt;&lt; std::</a:t>
+            </a:r>
+            <a:r>
+              <a:rPr lang="en-US" altLang="ko-KR" sz="1200" dirty="0" err="1" smtClean="0"/>
+              <a:t>endl</a:t>
+            </a:r>
+            <a:r>
+              <a:rPr lang="en-US" altLang="ko-KR" sz="1200" dirty="0" smtClean="0"/>
+              <a:t>;</a:t>
+            </a:r>
+          </a:p>
+          <a:p>
+            <a:r>
+              <a:rPr lang="en-US" altLang="ko-KR" sz="1200" dirty="0" smtClean="0"/>
+              <a:t>        return 0;</a:t>
+            </a:r>
+          </a:p>
+          <a:p>
+            <a:r>
+              <a:rPr lang="en-US" altLang="ko-KR" sz="1200" dirty="0" smtClean="0"/>
+              <a:t>    }</a:t>
+            </a:r>
+          </a:p>
+          <a:p>
+            <a:endParaRPr lang="en-US" altLang="ko-KR" sz="1200" dirty="0" smtClean="0"/>
+          </a:p>
+          <a:p>
+            <a:r>
+              <a:rPr lang="en-US" altLang="ko-KR" sz="1200" dirty="0" smtClean="0"/>
+              <a:t>    </a:t>
+            </a:r>
+            <a:r>
+              <a:rPr lang="en-US" altLang="ko-KR" sz="1200" dirty="0" err="1" smtClean="0"/>
+              <a:t>int</a:t>
+            </a:r>
+            <a:r>
+              <a:rPr lang="en-US" altLang="ko-KR" sz="1200" dirty="0" smtClean="0"/>
+              <a:t> </a:t>
+            </a:r>
+            <a:r>
+              <a:rPr lang="en-US" altLang="ko-KR" sz="1200" dirty="0" err="1" smtClean="0"/>
+              <a:t>nUID</a:t>
+            </a:r>
+            <a:r>
+              <a:rPr lang="en-US" altLang="ko-KR" sz="1200" dirty="0" smtClean="0"/>
+              <a:t> = 0;</a:t>
+            </a:r>
+          </a:p>
+          <a:p>
+            <a:r>
+              <a:rPr lang="en-US" altLang="ko-KR" sz="1200" dirty="0" smtClean="0"/>
+              <a:t>    WCHAR </a:t>
+            </a:r>
+            <a:r>
+              <a:rPr lang="en-US" altLang="ko-KR" sz="1200" dirty="0" err="1" smtClean="0"/>
+              <a:t>szPWD</a:t>
+            </a:r>
+            <a:r>
+              <a:rPr lang="en-US" altLang="ko-KR" sz="1200" dirty="0" smtClean="0"/>
+              <a:t>[16];</a:t>
+            </a:r>
+          </a:p>
+          <a:p>
+            <a:r>
+              <a:rPr lang="en-US" altLang="ko-KR" sz="1200" dirty="0" smtClean="0"/>
+              <a:t>    if(!</a:t>
+            </a:r>
+            <a:r>
+              <a:rPr lang="en-US" altLang="ko-KR" sz="1200" dirty="0" err="1" smtClean="0"/>
+              <a:t>pAdo</a:t>
+            </a:r>
+            <a:r>
+              <a:rPr lang="en-US" altLang="ko-KR" sz="1200" dirty="0" smtClean="0"/>
+              <a:t>-&gt;</a:t>
+            </a:r>
+            <a:r>
+              <a:rPr lang="en-US" altLang="ko-KR" sz="1200" dirty="0" err="1" smtClean="0"/>
+              <a:t>GetEndOfFile</a:t>
+            </a:r>
+            <a:r>
+              <a:rPr lang="en-US" altLang="ko-KR" sz="1200" dirty="0" smtClean="0"/>
+              <a:t>() )</a:t>
+            </a:r>
+          </a:p>
+          <a:p>
+            <a:r>
+              <a:rPr lang="en-US" altLang="ko-KR" sz="1200" dirty="0" smtClean="0"/>
+              <a:t>    {</a:t>
+            </a:r>
+          </a:p>
+          <a:p>
+            <a:r>
+              <a:rPr lang="en-US" altLang="ko-KR" sz="1200" dirty="0" smtClean="0"/>
+              <a:t>       </a:t>
+            </a:r>
+            <a:r>
+              <a:rPr lang="en-US" altLang="ko-KR" sz="1200" dirty="0" err="1" smtClean="0"/>
+              <a:t>pAdo</a:t>
+            </a:r>
+            <a:r>
+              <a:rPr lang="en-US" altLang="ko-KR" sz="1200" dirty="0" smtClean="0"/>
+              <a:t>-&gt;</a:t>
+            </a:r>
+            <a:r>
+              <a:rPr lang="en-US" altLang="ko-KR" sz="1200" dirty="0" err="1" smtClean="0"/>
+              <a:t>GetFieldValue</a:t>
+            </a:r>
+            <a:r>
+              <a:rPr lang="en-US" altLang="ko-KR" sz="1200" dirty="0" smtClean="0"/>
+              <a:t>(_T("UID"), </a:t>
+            </a:r>
+            <a:r>
+              <a:rPr lang="en-US" altLang="ko-KR" sz="1200" dirty="0" err="1" smtClean="0"/>
+              <a:t>nUID</a:t>
+            </a:r>
+            <a:r>
+              <a:rPr lang="en-US" altLang="ko-KR" sz="1200" dirty="0" smtClean="0"/>
+              <a:t>);</a:t>
+            </a:r>
+          </a:p>
+          <a:p>
+            <a:r>
+              <a:rPr lang="en-US" altLang="ko-KR" sz="1200" dirty="0" smtClean="0"/>
+              <a:t>       </a:t>
+            </a:r>
+            <a:r>
+              <a:rPr lang="en-US" altLang="ko-KR" sz="1200" dirty="0" err="1" smtClean="0"/>
+              <a:t>pAdo</a:t>
+            </a:r>
+            <a:r>
+              <a:rPr lang="en-US" altLang="ko-KR" sz="1200" dirty="0" smtClean="0"/>
+              <a:t>-&gt;</a:t>
+            </a:r>
+            <a:r>
+              <a:rPr lang="en-US" altLang="ko-KR" sz="1200" dirty="0" err="1" smtClean="0"/>
+              <a:t>GetFieldValue</a:t>
+            </a:r>
+            <a:r>
+              <a:rPr lang="en-US" altLang="ko-KR" sz="1200" dirty="0" smtClean="0"/>
+              <a:t>(_T("PWD"), </a:t>
+            </a:r>
+            <a:r>
+              <a:rPr lang="en-US" altLang="ko-KR" sz="1200" dirty="0" err="1" smtClean="0"/>
+              <a:t>szPWD</a:t>
+            </a:r>
+            <a:r>
+              <a:rPr lang="en-US" altLang="ko-KR" sz="1200" dirty="0" smtClean="0"/>
+              <a:t>, 16);</a:t>
+            </a:r>
+          </a:p>
+          <a:p>
+            <a:r>
+              <a:rPr lang="en-US" altLang="ko-KR" sz="1200" dirty="0" smtClean="0"/>
+              <a:t>    }</a:t>
+            </a:r>
+          </a:p>
+          <a:p>
+            <a:r>
+              <a:rPr lang="en-US" altLang="ko-KR" sz="1200" dirty="0" smtClean="0"/>
+              <a:t>    else</a:t>
+            </a:r>
+          </a:p>
+          <a:p>
+            <a:r>
+              <a:rPr lang="en-US" altLang="ko-KR" sz="1200" dirty="0" smtClean="0"/>
+              <a:t>    {</a:t>
+            </a:r>
+          </a:p>
+          <a:p>
+            <a:r>
+              <a:rPr lang="en-US" altLang="ko-KR" sz="1200" dirty="0" smtClean="0"/>
+              <a:t>       std::</a:t>
+            </a:r>
+            <a:r>
+              <a:rPr lang="en-US" altLang="ko-KR" sz="1200" dirty="0" err="1" smtClean="0"/>
+              <a:t>wcout</a:t>
+            </a:r>
+            <a:r>
+              <a:rPr lang="en-US" altLang="ko-KR" sz="1200" dirty="0" smtClean="0"/>
+              <a:t> &lt;&lt; </a:t>
+            </a:r>
+            <a:r>
+              <a:rPr lang="en-US" altLang="ko-KR" sz="1200" dirty="0" err="1" smtClean="0"/>
+              <a:t>L"jacking</a:t>
+            </a:r>
+            <a:r>
+              <a:rPr lang="ko-KR" altLang="en-US" sz="1200" dirty="0" smtClean="0"/>
+              <a:t>은 없습니다</a:t>
+            </a:r>
+            <a:r>
+              <a:rPr lang="en-US" altLang="ko-KR" sz="1200" dirty="0" smtClean="0"/>
+              <a:t>" &lt;&lt; std::</a:t>
+            </a:r>
+            <a:r>
+              <a:rPr lang="en-US" altLang="ko-KR" sz="1200" dirty="0" err="1" smtClean="0"/>
+              <a:t>endl</a:t>
+            </a:r>
+            <a:r>
+              <a:rPr lang="en-US" altLang="ko-KR" sz="1200" dirty="0" smtClean="0"/>
+              <a:t>;</a:t>
+            </a:r>
+          </a:p>
+          <a:p>
+            <a:r>
+              <a:rPr lang="en-US" altLang="ko-KR" sz="1200" dirty="0" smtClean="0"/>
+              <a:t>       return 0;</a:t>
+            </a:r>
+          </a:p>
+          <a:p>
+            <a:r>
+              <a:rPr lang="en-US" altLang="ko-KR" sz="1200" dirty="0" smtClean="0"/>
+              <a:t>    }</a:t>
+            </a:r>
+            <a:endParaRPr lang="ko-KR" altLang="en-US" sz="1200" dirty="0"/>
+          </a:p>
+        </p:txBody>
+      </p:sp>
+    </p:spTree>
+  </p:cSld>
+  <p:clrMapOvr>
+    <a:masterClrMapping/>
+  </p:clrMapOvr>
+</p:sld>
+</file>
+
 <file path=ppt/slides/slide9.xml><?xml version="1.0" encoding="utf-8"?>
 <p:sld xmlns:a="http://schemas.openxmlformats.org/drawingml/2006/main" xmlns:r="http://schemas.openxmlformats.org/officeDocument/2006/relationships" xmlns:p="http://schemas.openxmlformats.org/presentationml/2006/main">
   <p:cSld>
@@ -5831,6 +5676,367 @@
           <a:chExt cx="0" cy="0"/>
         </a:xfrm>
       </p:grpSpPr>
+      <p:sp>
+        <p:nvSpPr>
+          <p:cNvPr id="3" name="TextBox 2"/>
+          <p:cNvSpPr txBox="1"/>
+          <p:nvPr/>
+        </p:nvSpPr>
+        <p:spPr>
+          <a:xfrm>
+            <a:off x="395536" y="188640"/>
+            <a:ext cx="6408712" cy="584775"/>
+          </a:xfrm>
+          <a:prstGeom prst="rect">
+            <a:avLst/>
+          </a:prstGeom>
+          <a:noFill/>
+        </p:spPr>
+        <p:txBody>
+          <a:bodyPr wrap="square" rtlCol="0">
+            <a:spAutoFit/>
+          </a:bodyPr>
+          <a:lstStyle/>
+          <a:p>
+            <a:r>
+              <a:rPr lang="ko-KR" altLang="en-US" sz="3200" b="1" dirty="0" smtClean="0"/>
+              <a:t>예제 </a:t>
+            </a:r>
+            <a:r>
+              <a:rPr lang="en-US" altLang="ko-KR" sz="3200" b="1" dirty="0" smtClean="0"/>
+              <a:t>2. </a:t>
+            </a:r>
+            <a:r>
+              <a:rPr lang="ko-KR" altLang="en-US" sz="3200" b="1" dirty="0" smtClean="0"/>
+              <a:t>일반 </a:t>
+            </a:r>
+            <a:r>
+              <a:rPr lang="en-US" altLang="ko-KR" sz="3200" b="1" dirty="0" smtClean="0"/>
+              <a:t>INSERT </a:t>
+            </a:r>
+            <a:r>
+              <a:rPr lang="ko-KR" altLang="en-US" sz="3200" b="1" dirty="0" err="1" smtClean="0"/>
+              <a:t>쿼리문</a:t>
+            </a:r>
+            <a:r>
+              <a:rPr lang="ko-KR" altLang="en-US" sz="3200" b="1" dirty="0" smtClean="0"/>
+              <a:t> </a:t>
+            </a:r>
+            <a:r>
+              <a:rPr lang="en-US" altLang="ko-KR" sz="3200" b="1" dirty="0" smtClean="0"/>
+              <a:t>1</a:t>
+            </a:r>
+            <a:endParaRPr lang="ko-KR" altLang="en-US" sz="3200" b="1" dirty="0"/>
+          </a:p>
+        </p:txBody>
+      </p:sp>
+      <p:sp>
+        <p:nvSpPr>
+          <p:cNvPr id="4" name="직사각형 3"/>
+          <p:cNvSpPr/>
+          <p:nvPr/>
+        </p:nvSpPr>
+        <p:spPr>
+          <a:xfrm>
+            <a:off x="467544" y="1340768"/>
+            <a:ext cx="5616624" cy="3231654"/>
+          </a:xfrm>
+          <a:prstGeom prst="rect">
+            <a:avLst/>
+          </a:prstGeom>
+          <a:ln>
+            <a:solidFill>
+              <a:schemeClr val="tx1"/>
+            </a:solidFill>
+          </a:ln>
+        </p:spPr>
+        <p:txBody>
+          <a:bodyPr wrap="square">
+            <a:spAutoFit/>
+          </a:bodyPr>
+          <a:lstStyle/>
+          <a:p>
+            <a:r>
+              <a:rPr lang="en-US" altLang="ko-KR" sz="1200" dirty="0" err="1" smtClean="0"/>
+              <a:t>CAdoManager</a:t>
+            </a:r>
+            <a:r>
+              <a:rPr lang="en-US" altLang="ko-KR" sz="1200" dirty="0" smtClean="0"/>
+              <a:t>* </a:t>
+            </a:r>
+            <a:r>
+              <a:rPr lang="en-US" altLang="ko-KR" sz="1200" dirty="0" err="1" smtClean="0"/>
+              <a:t>pAdomanager</a:t>
+            </a:r>
+            <a:r>
+              <a:rPr lang="en-US" altLang="ko-KR" sz="1200" dirty="0" smtClean="0"/>
+              <a:t> = new </a:t>
+            </a:r>
+            <a:r>
+              <a:rPr lang="en-US" altLang="ko-KR" sz="1200" dirty="0" err="1" smtClean="0"/>
+              <a:t>CAdoManager</a:t>
+            </a:r>
+            <a:r>
+              <a:rPr lang="en-US" altLang="ko-KR" sz="1200" dirty="0" smtClean="0"/>
+              <a:t>(</a:t>
+            </a:r>
+            <a:r>
+              <a:rPr lang="en-US" altLang="ko-KR" sz="1200" dirty="0" err="1" smtClean="0"/>
+              <a:t>adoconfig</a:t>
+            </a:r>
+            <a:r>
+              <a:rPr lang="en-US" altLang="ko-KR" sz="1200" dirty="0" smtClean="0"/>
+              <a:t>);</a:t>
+            </a:r>
+          </a:p>
+          <a:p>
+            <a:r>
+              <a:rPr lang="en-US" altLang="ko-KR" sz="1200" dirty="0" err="1" smtClean="0"/>
+              <a:t>CAdo</a:t>
+            </a:r>
+            <a:r>
+              <a:rPr lang="en-US" altLang="ko-KR" sz="1200" dirty="0" smtClean="0"/>
+              <a:t>* </a:t>
+            </a:r>
+            <a:r>
+              <a:rPr lang="en-US" altLang="ko-KR" sz="1200" dirty="0" err="1" smtClean="0"/>
+              <a:t>pAdo</a:t>
+            </a:r>
+            <a:r>
+              <a:rPr lang="en-US" altLang="ko-KR" sz="1200" dirty="0" smtClean="0"/>
+              <a:t> = NULL;</a:t>
+            </a:r>
+          </a:p>
+          <a:p>
+            <a:r>
+              <a:rPr lang="en-US" altLang="ko-KR" sz="1200" dirty="0" smtClean="0"/>
+              <a:t>{</a:t>
+            </a:r>
+          </a:p>
+          <a:p>
+            <a:r>
+              <a:rPr lang="en-US" altLang="ko-KR" sz="1200" dirty="0" smtClean="0"/>
+              <a:t>   </a:t>
+            </a:r>
+            <a:r>
+              <a:rPr lang="en-US" altLang="ko-KR" sz="1200" dirty="0" err="1" smtClean="0"/>
+              <a:t>CScopedAdo</a:t>
+            </a:r>
+            <a:r>
+              <a:rPr lang="en-US" altLang="ko-KR" sz="1200" dirty="0" smtClean="0"/>
+              <a:t> </a:t>
+            </a:r>
+            <a:r>
+              <a:rPr lang="en-US" altLang="ko-KR" sz="1200" dirty="0" err="1" smtClean="0"/>
+              <a:t>scopedado</a:t>
+            </a:r>
+            <a:r>
+              <a:rPr lang="en-US" altLang="ko-KR" sz="1200" dirty="0" smtClean="0"/>
+              <a:t>(</a:t>
+            </a:r>
+            <a:r>
+              <a:rPr lang="en-US" altLang="ko-KR" sz="1200" dirty="0" err="1" smtClean="0"/>
+              <a:t>pAdo</a:t>
+            </a:r>
+            <a:r>
+              <a:rPr lang="en-US" altLang="ko-KR" sz="1200" dirty="0" smtClean="0"/>
+              <a:t>, </a:t>
+            </a:r>
+            <a:r>
+              <a:rPr lang="en-US" altLang="ko-KR" sz="1200" dirty="0" err="1" smtClean="0"/>
+              <a:t>pAdomanager</a:t>
+            </a:r>
+            <a:r>
+              <a:rPr lang="en-US" altLang="ko-KR" sz="1200" dirty="0" smtClean="0"/>
+              <a:t>, false);</a:t>
+            </a:r>
+          </a:p>
+          <a:p>
+            <a:endParaRPr lang="en-US" altLang="ko-KR" sz="1200" dirty="0" smtClean="0"/>
+          </a:p>
+          <a:p>
+            <a:r>
+              <a:rPr lang="en-US" altLang="ko-KR" sz="1200" dirty="0" smtClean="0"/>
+              <a:t>   </a:t>
+            </a:r>
+            <a:r>
+              <a:rPr lang="en-US" altLang="ko-KR" sz="1200" dirty="0" err="1" smtClean="0"/>
+              <a:t>pAdo</a:t>
+            </a:r>
+            <a:r>
+              <a:rPr lang="en-US" altLang="ko-KR" sz="1200" dirty="0" smtClean="0"/>
+              <a:t>-&gt;</a:t>
+            </a:r>
+            <a:r>
+              <a:rPr lang="en-US" altLang="ko-KR" sz="1200" dirty="0" err="1" smtClean="0"/>
+              <a:t>SetQuery</a:t>
+            </a:r>
+            <a:r>
+              <a:rPr lang="en-US" altLang="ko-KR" sz="1200" dirty="0" smtClean="0"/>
+              <a:t>( _T("Insert Into Users Values( 'jacking2', '1111' )") );</a:t>
+            </a:r>
+          </a:p>
+          <a:p>
+            <a:r>
+              <a:rPr lang="en-US" altLang="ko-KR" sz="1200" dirty="0" smtClean="0"/>
+              <a:t>   </a:t>
+            </a:r>
+            <a:r>
+              <a:rPr lang="en-US" altLang="ko-KR" sz="1200" dirty="0" err="1" smtClean="0"/>
+              <a:t>pAdo</a:t>
+            </a:r>
+            <a:r>
+              <a:rPr lang="en-US" altLang="ko-KR" sz="1200" dirty="0" smtClean="0"/>
+              <a:t>-&gt;Execute(</a:t>
+            </a:r>
+            <a:r>
+              <a:rPr lang="en-US" altLang="ko-KR" sz="1200" dirty="0" err="1" smtClean="0"/>
+              <a:t>adCmdText</a:t>
+            </a:r>
+            <a:r>
+              <a:rPr lang="en-US" altLang="ko-KR" sz="1200" dirty="0" smtClean="0"/>
+              <a:t>);</a:t>
+            </a:r>
+          </a:p>
+          <a:p>
+            <a:r>
+              <a:rPr lang="en-US" altLang="ko-KR" sz="1200" dirty="0" smtClean="0"/>
+              <a:t>  </a:t>
+            </a:r>
+          </a:p>
+          <a:p>
+            <a:r>
+              <a:rPr lang="en-US" altLang="ko-KR" sz="1200" dirty="0"/>
+              <a:t> </a:t>
+            </a:r>
+            <a:r>
+              <a:rPr lang="en-US" altLang="ko-KR" sz="1200" dirty="0" smtClean="0"/>
+              <a:t>  if( !</a:t>
+            </a:r>
+            <a:r>
+              <a:rPr lang="en-US" altLang="ko-KR" sz="1200" dirty="0" err="1" smtClean="0"/>
+              <a:t>pAdo</a:t>
+            </a:r>
+            <a:r>
+              <a:rPr lang="en-US" altLang="ko-KR" sz="1200" dirty="0" smtClean="0"/>
+              <a:t>-&gt;</a:t>
+            </a:r>
+            <a:r>
+              <a:rPr lang="en-US" altLang="ko-KR" sz="1200" dirty="0" err="1" smtClean="0"/>
+              <a:t>IsSuccess</a:t>
+            </a:r>
+            <a:r>
+              <a:rPr lang="en-US" altLang="ko-KR" sz="1200" dirty="0" smtClean="0"/>
+              <a:t>() ) </a:t>
+            </a:r>
+          </a:p>
+          <a:p>
+            <a:r>
+              <a:rPr lang="en-US" altLang="ko-KR" sz="1200" dirty="0" smtClean="0"/>
+              <a:t>   {</a:t>
+            </a:r>
+          </a:p>
+          <a:p>
+            <a:r>
+              <a:rPr lang="en-US" altLang="ko-KR" sz="1200" dirty="0" smtClean="0"/>
+              <a:t>       std::</a:t>
+            </a:r>
+            <a:r>
+              <a:rPr lang="en-US" altLang="ko-KR" sz="1200" dirty="0" err="1" smtClean="0"/>
+              <a:t>wcout</a:t>
+            </a:r>
+            <a:r>
+              <a:rPr lang="en-US" altLang="ko-KR" sz="1200" dirty="0" smtClean="0"/>
+              <a:t> &lt;&lt; L"</a:t>
+            </a:r>
+            <a:r>
+              <a:rPr lang="ko-KR" altLang="en-US" sz="1200" dirty="0" err="1" smtClean="0"/>
+              <a:t>쿼리문</a:t>
+            </a:r>
+            <a:r>
+              <a:rPr lang="ko-KR" altLang="en-US" sz="1200" dirty="0" smtClean="0"/>
+              <a:t> 실패</a:t>
+            </a:r>
+            <a:r>
+              <a:rPr lang="en-US" altLang="ko-KR" sz="1200" dirty="0" smtClean="0"/>
+              <a:t>" &lt;&lt; std::</a:t>
+            </a:r>
+            <a:r>
+              <a:rPr lang="en-US" altLang="ko-KR" sz="1200" dirty="0" err="1" smtClean="0"/>
+              <a:t>endl</a:t>
+            </a:r>
+            <a:r>
+              <a:rPr lang="en-US" altLang="ko-KR" sz="1200" dirty="0" smtClean="0"/>
+              <a:t>;</a:t>
+            </a:r>
+          </a:p>
+          <a:p>
+            <a:r>
+              <a:rPr lang="en-US" altLang="ko-KR" sz="1200" dirty="0" smtClean="0"/>
+              <a:t>       return 0;</a:t>
+            </a:r>
+          </a:p>
+          <a:p>
+            <a:r>
+              <a:rPr lang="en-US" altLang="ko-KR" sz="1200" dirty="0" smtClean="0"/>
+              <a:t>   }</a:t>
+            </a:r>
+          </a:p>
+          <a:p>
+            <a:r>
+              <a:rPr lang="en-US" altLang="ko-KR" sz="1200" dirty="0" smtClean="0"/>
+              <a:t>   else</a:t>
+            </a:r>
+          </a:p>
+          <a:p>
+            <a:r>
+              <a:rPr lang="en-US" altLang="ko-KR" sz="1200" dirty="0" smtClean="0"/>
+              <a:t>  {</a:t>
+            </a:r>
+          </a:p>
+          <a:p>
+            <a:r>
+              <a:rPr lang="en-US" altLang="ko-KR" sz="1200" dirty="0" smtClean="0"/>
+              <a:t>       std::</a:t>
+            </a:r>
+            <a:r>
+              <a:rPr lang="en-US" altLang="ko-KR" sz="1200" dirty="0" err="1" smtClean="0"/>
+              <a:t>wcout</a:t>
+            </a:r>
+            <a:r>
+              <a:rPr lang="en-US" altLang="ko-KR" sz="1200" dirty="0" smtClean="0"/>
+              <a:t> &lt;&lt; L"</a:t>
+            </a:r>
+            <a:r>
+              <a:rPr lang="ko-KR" altLang="en-US" sz="1200" dirty="0" err="1" smtClean="0"/>
+              <a:t>쿼리문</a:t>
+            </a:r>
+            <a:r>
+              <a:rPr lang="ko-KR" altLang="en-US" sz="1200" dirty="0" smtClean="0"/>
+              <a:t> 성공</a:t>
+            </a:r>
+            <a:r>
+              <a:rPr lang="en-US" altLang="ko-KR" sz="1200" dirty="0" smtClean="0"/>
+              <a:t>" &lt;&lt; std::</a:t>
+            </a:r>
+            <a:r>
+              <a:rPr lang="en-US" altLang="ko-KR" sz="1200" dirty="0" err="1" smtClean="0"/>
+              <a:t>endl</a:t>
+            </a:r>
+            <a:r>
+              <a:rPr lang="en-US" altLang="ko-KR" sz="1200" dirty="0" smtClean="0"/>
+              <a:t>;</a:t>
+            </a:r>
+          </a:p>
+          <a:p>
+            <a:r>
+              <a:rPr lang="en-US" altLang="ko-KR" sz="1200" dirty="0" smtClean="0"/>
+              <a:t>  }</a:t>
+            </a:r>
+            <a:endParaRPr lang="ko-KR" altLang="en-US" sz="1200" dirty="0"/>
+          </a:p>
+        </p:txBody>
+      </p:sp>
     </p:spTree>
   </p:cSld>
   <p:clrMapOvr>
